--- a/Приложение Tonpad.pptx
+++ b/Приложение Tonpad.pptx
@@ -5016,19 +5016,7 @@
               <a:rPr lang="ru-RU" spc="-5" dirty="0">
                 <a:ea typeface="SimSun" panose="02010600030101010101" pitchFamily="2" charset="-122"/>
               </a:rPr>
-              <a:t> в 144 </a:t>
-            </a:r>
-            <a:r>
-              <a:rPr lang="ru-RU" spc="-5" dirty="0" err="1">
-                <a:ea typeface="SimSun" panose="02010600030101010101" pitchFamily="2" charset="-122"/>
-              </a:rPr>
-              <a:t>фпс</a:t>
-            </a:r>
-            <a:r>
-              <a:rPr lang="ru-RU" spc="-5" dirty="0">
-                <a:ea typeface="SimSun" panose="02010600030101010101" pitchFamily="2" charset="-122"/>
-              </a:rPr>
-              <a:t>.</a:t>
+              <a:t> .</a:t>
             </a:r>
           </a:p>
           <a:p>
@@ -8740,10 +8728,10 @@
       </p:sp>
       <p:pic>
         <p:nvPicPr>
-          <p:cNvPr id="4" name="Рисунок 3">
+          <p:cNvPr id="10" name="Рисунок 9">
             <a:extLst>
               <a:ext uri="{FF2B5EF4-FFF2-40B4-BE49-F238E27FC236}">
-                <a16:creationId xmlns:a16="http://schemas.microsoft.com/office/drawing/2014/main" id="{0CDADFA0-16B9-4859-9107-8E2803433C9C}"/>
+                <a16:creationId xmlns:a16="http://schemas.microsoft.com/office/drawing/2014/main" id="{EF105481-3FE2-4AF3-9569-CF47C0750419}"/>
               </a:ext>
             </a:extLst>
           </p:cNvPr>
@@ -8752,21 +8740,22 @@
           </p:cNvPicPr>
           <p:nvPr/>
         </p:nvPicPr>
-        <p:blipFill rotWithShape="1">
-          <a:blip r:embed="rId4" cstate="print">
+        <p:blipFill>
+          <a:blip r:embed="rId4">
             <a:extLst>
               <a:ext uri="{28A0092B-C50C-407E-A947-70E740481C1C}">
                 <a14:useLocalDpi xmlns:a14="http://schemas.microsoft.com/office/drawing/2010/main" val="0"/>
               </a:ext>
             </a:extLst>
           </a:blip>
-          <a:srcRect l="7125" r="37500"/>
-          <a:stretch/>
+          <a:stretch>
+            <a:fillRect/>
+          </a:stretch>
         </p:blipFill>
         <p:spPr>
           <a:xfrm>
-            <a:off x="3345174" y="1502751"/>
-            <a:ext cx="5501652" cy="4387206"/>
+            <a:off x="1175742" y="2071687"/>
+            <a:ext cx="9840516" cy="2714625"/>
           </a:xfrm>
           <a:prstGeom prst="rect">
             <a:avLst/>

--- a/Приложение Tonpad.pptx
+++ b/Приложение Tonpad.pptx
@@ -5,7 +5,7 @@
     <p:sldMasterId id="2147483672" r:id="rId1"/>
   </p:sldMasterIdLst>
   <p:notesMasterIdLst>
-    <p:notesMasterId r:id="rId13"/>
+    <p:notesMasterId r:id="rId14"/>
   </p:notesMasterIdLst>
   <p:sldIdLst>
     <p:sldId id="256" r:id="rId2"/>
@@ -17,8 +17,9 @@
     <p:sldId id="290" r:id="rId8"/>
     <p:sldId id="291" r:id="rId9"/>
     <p:sldId id="287" r:id="rId10"/>
-    <p:sldId id="288" r:id="rId11"/>
-    <p:sldId id="267" r:id="rId12"/>
+    <p:sldId id="293" r:id="rId11"/>
+    <p:sldId id="288" r:id="rId12"/>
+    <p:sldId id="267" r:id="rId13"/>
   </p:sldIdLst>
   <p:sldSz cx="12192000" cy="6858000"/>
   <p:notesSz cx="6858000" cy="9144000"/>
@@ -227,7 +228,7 @@
           <a:p>
             <a:fld id="{77D36C68-DDAB-4D09-8E72-8E937BD7768C}" type="datetimeFigureOut">
               <a:rPr lang="ru-RU" smtClean="0"/>
-              <a:t>13.12.2025</a:t>
+              <a:t>14.12.2025</a:t>
             </a:fld>
             <a:endParaRPr lang="ru-RU"/>
           </a:p>
@@ -590,6 +591,126 @@
 </p:notes>
 </file>
 
+<file path=ppt/notesSlides/notesSlide10.xml><?xml version="1.0" encoding="utf-8"?>
+<p:notes xmlns:a="http://schemas.openxmlformats.org/drawingml/2006/main" xmlns:r="http://schemas.openxmlformats.org/officeDocument/2006/relationships" xmlns:p="http://schemas.openxmlformats.org/presentationml/2006/main">
+  <p:cSld>
+    <p:spTree>
+      <p:nvGrpSpPr>
+        <p:cNvPr id="1" name="">
+          <a:extLst>
+            <a:ext uri="{FF2B5EF4-FFF2-40B4-BE49-F238E27FC236}">
+              <a16:creationId xmlns:a16="http://schemas.microsoft.com/office/drawing/2014/main" id="{5E0A71B2-FAFD-8E3A-0100-42E689C3DC06}"/>
+            </a:ext>
+          </a:extLst>
+        </p:cNvPr>
+        <p:cNvGrpSpPr/>
+        <p:nvPr/>
+      </p:nvGrpSpPr>
+      <p:grpSpPr>
+        <a:xfrm>
+          <a:off x="0" y="0"/>
+          <a:ext cx="0" cy="0"/>
+          <a:chOff x="0" y="0"/>
+          <a:chExt cx="0" cy="0"/>
+        </a:xfrm>
+      </p:grpSpPr>
+      <p:sp>
+        <p:nvSpPr>
+          <p:cNvPr id="2" name="Образ слайда 1">
+            <a:extLst>
+              <a:ext uri="{FF2B5EF4-FFF2-40B4-BE49-F238E27FC236}">
+                <a16:creationId xmlns:a16="http://schemas.microsoft.com/office/drawing/2014/main" id="{3A166E51-DA3F-DFE5-17CC-4B2D97F33D15}"/>
+              </a:ext>
+            </a:extLst>
+          </p:cNvPr>
+          <p:cNvSpPr>
+            <a:spLocks noGrp="1" noRot="1" noChangeAspect="1"/>
+          </p:cNvSpPr>
+          <p:nvPr>
+            <p:ph type="sldImg"/>
+          </p:nvPr>
+        </p:nvSpPr>
+        <p:spPr>
+          <a:xfrm>
+            <a:off x="381000" y="685800"/>
+            <a:ext cx="6096000" cy="3429000"/>
+          </a:xfrm>
+        </p:spPr>
+        <p:txBody>
+          <a:bodyPr/>
+          <a:lstStyle/>
+          <a:p>
+            <a:endParaRPr lang="ru-RU"/>
+          </a:p>
+        </p:txBody>
+      </p:sp>
+      <p:sp>
+        <p:nvSpPr>
+          <p:cNvPr id="3" name="Заметки 2">
+            <a:extLst>
+              <a:ext uri="{FF2B5EF4-FFF2-40B4-BE49-F238E27FC236}">
+                <a16:creationId xmlns:a16="http://schemas.microsoft.com/office/drawing/2014/main" id="{56D1DCD9-2209-09D6-20E9-6E40E8EBA1FD}"/>
+              </a:ext>
+            </a:extLst>
+          </p:cNvPr>
+          <p:cNvSpPr>
+            <a:spLocks noGrp="1"/>
+          </p:cNvSpPr>
+          <p:nvPr>
+            <p:ph type="body" idx="1"/>
+          </p:nvPr>
+        </p:nvSpPr>
+        <p:spPr/>
+        <p:txBody>
+          <a:bodyPr/>
+          <a:lstStyle/>
+          <a:p>
+            <a:endParaRPr lang="ru-RU" dirty="0"/>
+          </a:p>
+        </p:txBody>
+      </p:sp>
+      <p:sp>
+        <p:nvSpPr>
+          <p:cNvPr id="4" name="Номер слайда 3">
+            <a:extLst>
+              <a:ext uri="{FF2B5EF4-FFF2-40B4-BE49-F238E27FC236}">
+                <a16:creationId xmlns:a16="http://schemas.microsoft.com/office/drawing/2014/main" id="{39421BD3-5640-84D8-6B86-7FF7F0730115}"/>
+              </a:ext>
+            </a:extLst>
+          </p:cNvPr>
+          <p:cNvSpPr>
+            <a:spLocks noGrp="1"/>
+          </p:cNvSpPr>
+          <p:nvPr>
+            <p:ph type="sldNum" sz="quarter" idx="10"/>
+          </p:nvPr>
+        </p:nvSpPr>
+        <p:spPr/>
+        <p:txBody>
+          <a:bodyPr/>
+          <a:lstStyle/>
+          <a:p>
+            <a:fld id="{0048289E-2F4B-4BDB-9E3D-307BE649A8BF}" type="slidenum">
+              <a:rPr lang="ru-RU" smtClean="0"/>
+              <a:t>11</a:t>
+            </a:fld>
+            <a:endParaRPr lang="ru-RU"/>
+          </a:p>
+        </p:txBody>
+      </p:sp>
+    </p:spTree>
+    <p:extLst>
+      <p:ext uri="{BB962C8B-B14F-4D97-AF65-F5344CB8AC3E}">
+        <p14:creationId xmlns:p14="http://schemas.microsoft.com/office/powerpoint/2010/main" val="487810830"/>
+      </p:ext>
+    </p:extLst>
+  </p:cSld>
+  <p:clrMapOvr>
+    <a:masterClrMapping/>
+  </p:clrMapOvr>
+</p:notes>
+</file>
+
 <file path=ppt/notesSlides/notesSlide2.xml><?xml version="1.0" encoding="utf-8"?>
 <p:notes xmlns:a="http://schemas.openxmlformats.org/drawingml/2006/main" xmlns:r="http://schemas.openxmlformats.org/officeDocument/2006/relationships" xmlns:p="http://schemas.openxmlformats.org/presentationml/2006/main">
   <p:cSld>
@@ -1390,7 +1511,7 @@
         <p:cNvPr id="1" name="">
           <a:extLst>
             <a:ext uri="{FF2B5EF4-FFF2-40B4-BE49-F238E27FC236}">
-              <a16:creationId xmlns:a16="http://schemas.microsoft.com/office/drawing/2014/main" id="{5E0A71B2-FAFD-8E3A-0100-42E689C3DC06}"/>
+              <a16:creationId xmlns:a16="http://schemas.microsoft.com/office/drawing/2014/main" id="{05EF7A3F-73A5-C870-EE32-018887C4F46F}"/>
             </a:ext>
           </a:extLst>
         </p:cNvPr>
@@ -1410,7 +1531,7 @@
           <p:cNvPr id="2" name="Образ слайда 1">
             <a:extLst>
               <a:ext uri="{FF2B5EF4-FFF2-40B4-BE49-F238E27FC236}">
-                <a16:creationId xmlns:a16="http://schemas.microsoft.com/office/drawing/2014/main" id="{3A166E51-DA3F-DFE5-17CC-4B2D97F33D15}"/>
+                <a16:creationId xmlns:a16="http://schemas.microsoft.com/office/drawing/2014/main" id="{50A2DFA1-2927-6212-77E5-388031D568B0}"/>
               </a:ext>
             </a:extLst>
           </p:cNvPr>
@@ -1440,7 +1561,7 @@
           <p:cNvPr id="3" name="Заметки 2">
             <a:extLst>
               <a:ext uri="{FF2B5EF4-FFF2-40B4-BE49-F238E27FC236}">
-                <a16:creationId xmlns:a16="http://schemas.microsoft.com/office/drawing/2014/main" id="{56D1DCD9-2209-09D6-20E9-6E40E8EBA1FD}"/>
+                <a16:creationId xmlns:a16="http://schemas.microsoft.com/office/drawing/2014/main" id="{4A8E077B-0404-39AA-61DA-90DA5DA0943B}"/>
               </a:ext>
             </a:extLst>
           </p:cNvPr>
@@ -1465,7 +1586,7 @@
           <p:cNvPr id="4" name="Номер слайда 3">
             <a:extLst>
               <a:ext uri="{FF2B5EF4-FFF2-40B4-BE49-F238E27FC236}">
-                <a16:creationId xmlns:a16="http://schemas.microsoft.com/office/drawing/2014/main" id="{39421BD3-5640-84D8-6B86-7FF7F0730115}"/>
+                <a16:creationId xmlns:a16="http://schemas.microsoft.com/office/drawing/2014/main" id="{C85FB339-0C78-F54F-E5A9-9B107EEE2E64}"/>
               </a:ext>
             </a:extLst>
           </p:cNvPr>
@@ -1492,7 +1613,7 @@
     </p:spTree>
     <p:extLst>
       <p:ext uri="{BB962C8B-B14F-4D97-AF65-F5344CB8AC3E}">
-        <p14:creationId xmlns:p14="http://schemas.microsoft.com/office/powerpoint/2010/main" val="487810830"/>
+        <p14:creationId xmlns:p14="http://schemas.microsoft.com/office/powerpoint/2010/main" val="1774738395"/>
       </p:ext>
     </p:extLst>
   </p:cSld>
@@ -1633,7 +1754,7 @@
           <a:p>
             <a:fld id="{0CD2006A-6BE7-43E8-8AD6-C09FC266B36F}" type="datetime1">
               <a:rPr lang="ru-RU" smtClean="0"/>
-              <a:t>13.12.2025</a:t>
+              <a:t>14.12.2025</a:t>
             </a:fld>
             <a:endParaRPr lang="ru-RU"/>
           </a:p>
@@ -1803,7 +1924,7 @@
           <a:p>
             <a:fld id="{DCFD85EE-4AB9-42CD-8126-E74FE77A9ED8}" type="datetime1">
               <a:rPr lang="ru-RU" smtClean="0"/>
-              <a:t>13.12.2025</a:t>
+              <a:t>14.12.2025</a:t>
             </a:fld>
             <a:endParaRPr lang="ru-RU"/>
           </a:p>
@@ -1983,7 +2104,7 @@
           <a:p>
             <a:fld id="{560B916C-83BE-4CC1-8A21-D05CD30C43DB}" type="datetime1">
               <a:rPr lang="ru-RU" smtClean="0"/>
-              <a:t>13.12.2025</a:t>
+              <a:t>14.12.2025</a:t>
             </a:fld>
             <a:endParaRPr lang="ru-RU"/>
           </a:p>
@@ -2153,7 +2274,7 @@
           <a:p>
             <a:fld id="{D2E13183-B2A1-4784-80CE-65A33D52CB0B}" type="datetime1">
               <a:rPr lang="ru-RU" smtClean="0"/>
-              <a:t>13.12.2025</a:t>
+              <a:t>14.12.2025</a:t>
             </a:fld>
             <a:endParaRPr lang="ru-RU"/>
           </a:p>
@@ -2399,7 +2520,7 @@
           <a:p>
             <a:fld id="{DEA388E9-D2C3-4436-BFEE-5F0C2E0896FE}" type="datetime1">
               <a:rPr lang="ru-RU" smtClean="0"/>
-              <a:t>13.12.2025</a:t>
+              <a:t>14.12.2025</a:t>
             </a:fld>
             <a:endParaRPr lang="ru-RU"/>
           </a:p>
@@ -2631,7 +2752,7 @@
           <a:p>
             <a:fld id="{13A15BC7-66CE-44BA-84C4-ADF5D358A8E5}" type="datetime1">
               <a:rPr lang="ru-RU" smtClean="0"/>
-              <a:t>13.12.2025</a:t>
+              <a:t>14.12.2025</a:t>
             </a:fld>
             <a:endParaRPr lang="ru-RU"/>
           </a:p>
@@ -2998,7 +3119,7 @@
           <a:p>
             <a:fld id="{8C55F641-8A7B-48BB-9924-29525D09D843}" type="datetime1">
               <a:rPr lang="ru-RU" smtClean="0"/>
-              <a:t>13.12.2025</a:t>
+              <a:t>14.12.2025</a:t>
             </a:fld>
             <a:endParaRPr lang="ru-RU"/>
           </a:p>
@@ -3116,7 +3237,7 @@
           <a:p>
             <a:fld id="{28C4CC1A-CDB1-4CBC-83A8-3EB958439194}" type="datetime1">
               <a:rPr lang="ru-RU" smtClean="0"/>
-              <a:t>13.12.2025</a:t>
+              <a:t>14.12.2025</a:t>
             </a:fld>
             <a:endParaRPr lang="ru-RU"/>
           </a:p>
@@ -3211,7 +3332,7 @@
           <a:p>
             <a:fld id="{DCA5C5F1-78C0-4305-B0EC-8CEF047F6C93}" type="datetime1">
               <a:rPr lang="ru-RU" smtClean="0"/>
-              <a:t>13.12.2025</a:t>
+              <a:t>14.12.2025</a:t>
             </a:fld>
             <a:endParaRPr lang="ru-RU"/>
           </a:p>
@@ -3488,7 +3609,7 @@
           <a:p>
             <a:fld id="{8FF670FB-17C0-4434-90C8-A4668EF13565}" type="datetime1">
               <a:rPr lang="ru-RU" smtClean="0"/>
-              <a:t>13.12.2025</a:t>
+              <a:t>14.12.2025</a:t>
             </a:fld>
             <a:endParaRPr lang="ru-RU"/>
           </a:p>
@@ -3745,7 +3866,7 @@
           <a:p>
             <a:fld id="{5FA5D1FD-3FC4-47EA-B2EB-FF46800F6009}" type="datetime1">
               <a:rPr lang="ru-RU" smtClean="0"/>
-              <a:t>13.12.2025</a:t>
+              <a:t>14.12.2025</a:t>
             </a:fld>
             <a:endParaRPr lang="ru-RU"/>
           </a:p>
@@ -3958,7 +4079,7 @@
           <a:p>
             <a:fld id="{6C109404-ED28-47FE-9DC5-C6BCEA110D1D}" type="datetime1">
               <a:rPr lang="ru-RU" smtClean="0"/>
-              <a:t>13.12.2025</a:t>
+              <a:t>14.12.2025</a:t>
             </a:fld>
             <a:endParaRPr lang="ru-RU"/>
           </a:p>
@@ -4706,7 +4827,7 @@
         <p:cNvPr id="1" name="">
           <a:extLst>
             <a:ext uri="{FF2B5EF4-FFF2-40B4-BE49-F238E27FC236}">
-              <a16:creationId xmlns:a16="http://schemas.microsoft.com/office/drawing/2014/main" id="{B7F830C5-CA2F-C192-AA2B-69D401113F10}"/>
+              <a16:creationId xmlns:a16="http://schemas.microsoft.com/office/drawing/2014/main" id="{43DDB1A7-9122-5BEB-7E90-BF561AA55B3E}"/>
             </a:ext>
           </a:extLst>
         </p:cNvPr>
@@ -4726,7 +4847,7 @@
           <p:cNvPr id="7" name="TextBox 6">
             <a:extLst>
               <a:ext uri="{FF2B5EF4-FFF2-40B4-BE49-F238E27FC236}">
-                <a16:creationId xmlns:a16="http://schemas.microsoft.com/office/drawing/2014/main" id="{25044FF3-1785-AAFD-E83E-8A45A199685F}"/>
+                <a16:creationId xmlns:a16="http://schemas.microsoft.com/office/drawing/2014/main" id="{A39ADDFB-7935-A082-4CA1-1F7A0C0C134A}"/>
               </a:ext>
             </a:extLst>
           </p:cNvPr>
@@ -4758,7 +4879,7 @@
                 <a:latin typeface="Calibri"/>
                 <a:cs typeface="Calibri"/>
               </a:rPr>
-              <a:t>ДОСТИГНУТЫЕ РЕЗУЛЬТАТЫ</a:t>
+              <a:t>ОСНОВНОЙ ИНТЕРФЕЙС ПРИЛОЖЕНИЯ</a:t>
             </a:r>
           </a:p>
         </p:txBody>
@@ -4768,7 +4889,7 @@
           <p:cNvPr id="8" name="TextBox 7">
             <a:extLst>
               <a:ext uri="{FF2B5EF4-FFF2-40B4-BE49-F238E27FC236}">
-                <a16:creationId xmlns:a16="http://schemas.microsoft.com/office/drawing/2014/main" id="{6BC7EEA4-244E-5A40-37ED-632FCB9D6A0A}"/>
+                <a16:creationId xmlns:a16="http://schemas.microsoft.com/office/drawing/2014/main" id="{EBF6E80F-9E77-8EDE-7F7B-E2042F57347D}"/>
               </a:ext>
             </a:extLst>
           </p:cNvPr>
@@ -4815,7 +4936,7 @@
           <p:cNvPr id="11" name="Прямоугольник 10">
             <a:extLst>
               <a:ext uri="{FF2B5EF4-FFF2-40B4-BE49-F238E27FC236}">
-                <a16:creationId xmlns:a16="http://schemas.microsoft.com/office/drawing/2014/main" id="{C02D84EE-AE66-21DF-A65B-96962C2B2859}"/>
+                <a16:creationId xmlns:a16="http://schemas.microsoft.com/office/drawing/2014/main" id="{B620B86A-8D52-CEA5-C6B2-F93F0F52E87F}"/>
               </a:ext>
             </a:extLst>
           </p:cNvPr>
@@ -4867,6 +4988,284 @@
           <p:cNvPr id="3" name="TextBox 2">
             <a:extLst>
               <a:ext uri="{FF2B5EF4-FFF2-40B4-BE49-F238E27FC236}">
+                <a16:creationId xmlns:a16="http://schemas.microsoft.com/office/drawing/2014/main" id="{50EFAE65-2966-B8B6-3D45-9D478BC56550}"/>
+              </a:ext>
+            </a:extLst>
+          </p:cNvPr>
+          <p:cNvSpPr txBox="1"/>
+          <p:nvPr/>
+        </p:nvSpPr>
+        <p:spPr>
+          <a:xfrm>
+            <a:off x="868668" y="6211115"/>
+            <a:ext cx="10336007" cy="423449"/>
+          </a:xfrm>
+          <a:prstGeom prst="rect">
+            <a:avLst/>
+          </a:prstGeom>
+          <a:noFill/>
+        </p:spPr>
+        <p:txBody>
+          <a:bodyPr wrap="square" lIns="91440" tIns="45720" rIns="91440" bIns="45720" rtlCol="0" anchor="t">
+            <a:spAutoFit/>
+          </a:bodyPr>
+          <a:lstStyle/>
+          <a:p>
+            <a:pPr algn="r">
+              <a:lnSpc>
+                <a:spcPct val="150000"/>
+              </a:lnSpc>
+            </a:pPr>
+            <a:r>
+              <a:rPr lang="ru-RU" sz="1600" b="1" dirty="0">
+                <a:solidFill>
+                  <a:srgbClr val="0093CE"/>
+                </a:solidFill>
+              </a:rPr>
+              <a:t>Объектно/шаблонно ориентированный заметочник, </a:t>
+            </a:r>
+            <a:r>
+              <a:rPr lang="en-US" sz="1600" b="1" dirty="0">
+                <a:solidFill>
+                  <a:srgbClr val="0093CE"/>
+                </a:solidFill>
+              </a:rPr>
+              <a:t>Negative Technologies</a:t>
+            </a:r>
+            <a:endParaRPr lang="ru-RU" sz="1600" b="1" dirty="0">
+              <a:solidFill>
+                <a:srgbClr val="0093CE"/>
+              </a:solidFill>
+            </a:endParaRPr>
+          </a:p>
+        </p:txBody>
+      </p:sp>
+      <p:pic>
+        <p:nvPicPr>
+          <p:cNvPr id="2" name="Рисунок 1">
+            <a:extLst>
+              <a:ext uri="{FF2B5EF4-FFF2-40B4-BE49-F238E27FC236}">
+                <a16:creationId xmlns:a16="http://schemas.microsoft.com/office/drawing/2014/main" id="{8514D2A6-654B-0D54-4A95-8CD0E4F825A3}"/>
+              </a:ext>
+            </a:extLst>
+          </p:cNvPr>
+          <p:cNvPicPr>
+            <a:picLocks noChangeAspect="1"/>
+          </p:cNvPicPr>
+          <p:nvPr/>
+        </p:nvPicPr>
+        <p:blipFill>
+          <a:blip r:embed="rId4"/>
+          <a:stretch>
+            <a:fillRect/>
+          </a:stretch>
+        </p:blipFill>
+        <p:spPr>
+          <a:xfrm>
+            <a:off x="2739717" y="1209522"/>
+            <a:ext cx="6712565" cy="4687844"/>
+          </a:xfrm>
+          <a:prstGeom prst="rect">
+            <a:avLst/>
+          </a:prstGeom>
+        </p:spPr>
+      </p:pic>
+    </p:spTree>
+    <p:extLst>
+      <p:ext uri="{BB962C8B-B14F-4D97-AF65-F5344CB8AC3E}">
+        <p14:creationId xmlns:p14="http://schemas.microsoft.com/office/powerpoint/2010/main" val="3348980856"/>
+      </p:ext>
+    </p:extLst>
+  </p:cSld>
+  <p:clrMapOvr>
+    <a:masterClrMapping/>
+  </p:clrMapOvr>
+</p:sld>
+</file>
+
+<file path=ppt/slides/slide11.xml><?xml version="1.0" encoding="utf-8"?>
+<p:sld xmlns:a="http://schemas.openxmlformats.org/drawingml/2006/main" xmlns:r="http://schemas.openxmlformats.org/officeDocument/2006/relationships" xmlns:p="http://schemas.openxmlformats.org/presentationml/2006/main">
+  <p:cSld>
+    <p:bg>
+      <p:bgPr>
+        <a:blipFill dpi="0" rotWithShape="1">
+          <a:blip r:embed="rId3">
+            <a:lum/>
+          </a:blip>
+          <a:srcRect/>
+          <a:stretch>
+            <a:fillRect/>
+          </a:stretch>
+        </a:blipFill>
+        <a:effectLst/>
+      </p:bgPr>
+    </p:bg>
+    <p:spTree>
+      <p:nvGrpSpPr>
+        <p:cNvPr id="1" name="">
+          <a:extLst>
+            <a:ext uri="{FF2B5EF4-FFF2-40B4-BE49-F238E27FC236}">
+              <a16:creationId xmlns:a16="http://schemas.microsoft.com/office/drawing/2014/main" id="{B7F830C5-CA2F-C192-AA2B-69D401113F10}"/>
+            </a:ext>
+          </a:extLst>
+        </p:cNvPr>
+        <p:cNvGrpSpPr/>
+        <p:nvPr/>
+      </p:nvGrpSpPr>
+      <p:grpSpPr>
+        <a:xfrm>
+          <a:off x="0" y="0"/>
+          <a:ext cx="0" cy="0"/>
+          <a:chOff x="0" y="0"/>
+          <a:chExt cx="0" cy="0"/>
+        </a:xfrm>
+      </p:grpSpPr>
+      <p:sp>
+        <p:nvSpPr>
+          <p:cNvPr id="7" name="TextBox 6">
+            <a:extLst>
+              <a:ext uri="{FF2B5EF4-FFF2-40B4-BE49-F238E27FC236}">
+                <a16:creationId xmlns:a16="http://schemas.microsoft.com/office/drawing/2014/main" id="{25044FF3-1785-AAFD-E83E-8A45A199685F}"/>
+              </a:ext>
+            </a:extLst>
+          </p:cNvPr>
+          <p:cNvSpPr txBox="1"/>
+          <p:nvPr/>
+        </p:nvSpPr>
+        <p:spPr>
+          <a:xfrm>
+            <a:off x="2351321" y="301539"/>
+            <a:ext cx="7898675" cy="369332"/>
+          </a:xfrm>
+          <a:prstGeom prst="rect">
+            <a:avLst/>
+          </a:prstGeom>
+          <a:noFill/>
+        </p:spPr>
+        <p:txBody>
+          <a:bodyPr wrap="square" lIns="91440" tIns="45720" rIns="91440" bIns="45720" rtlCol="0" anchor="ctr" anchorCtr="1">
+            <a:spAutoFit/>
+          </a:bodyPr>
+          <a:lstStyle/>
+          <a:p>
+            <a:pPr algn="ctr"/>
+            <a:r>
+              <a:rPr lang="ru-RU" dirty="0">
+                <a:solidFill>
+                  <a:schemeClr val="bg1"/>
+                </a:solidFill>
+                <a:latin typeface="Calibri"/>
+                <a:cs typeface="Calibri"/>
+              </a:rPr>
+              <a:t>ДОСТИГНУТЫЕ РЕЗУЛЬТАТЫ</a:t>
+            </a:r>
+          </a:p>
+        </p:txBody>
+      </p:sp>
+      <p:sp>
+        <p:nvSpPr>
+          <p:cNvPr id="8" name="TextBox 7">
+            <a:extLst>
+              <a:ext uri="{FF2B5EF4-FFF2-40B4-BE49-F238E27FC236}">
+                <a16:creationId xmlns:a16="http://schemas.microsoft.com/office/drawing/2014/main" id="{6BC7EEA4-244E-5A40-37ED-632FCB9D6A0A}"/>
+              </a:ext>
+            </a:extLst>
+          </p:cNvPr>
+          <p:cNvSpPr txBox="1"/>
+          <p:nvPr/>
+        </p:nvSpPr>
+        <p:spPr>
+          <a:xfrm>
+            <a:off x="11105759" y="6341149"/>
+            <a:ext cx="469107" cy="369332"/>
+          </a:xfrm>
+          <a:prstGeom prst="rect">
+            <a:avLst/>
+          </a:prstGeom>
+          <a:noFill/>
+        </p:spPr>
+        <p:txBody>
+          <a:bodyPr wrap="square" rtlCol="0">
+            <a:spAutoFit/>
+          </a:bodyPr>
+          <a:lstStyle/>
+          <a:p>
+            <a:pPr algn="ctr"/>
+            <a:fld id="{9E79BFED-6ECD-4563-B483-CEA192FFFCCF}" type="slidenum">
+              <a:rPr lang="ru-RU">
+                <a:solidFill>
+                  <a:schemeClr val="bg1"/>
+                </a:solidFill>
+                <a:latin typeface="Elektra Medium Pro" panose="02000803000000020004" pitchFamily="50" charset="-52"/>
+              </a:rPr>
+              <a:t>11</a:t>
+            </a:fld>
+            <a:endParaRPr lang="ru-RU" dirty="0">
+              <a:solidFill>
+                <a:schemeClr val="bg1"/>
+              </a:solidFill>
+              <a:latin typeface="Elektra Medium Pro" panose="02000803000000020004" pitchFamily="50" charset="-52"/>
+            </a:endParaRPr>
+          </a:p>
+        </p:txBody>
+      </p:sp>
+      <p:sp>
+        <p:nvSpPr>
+          <p:cNvPr id="11" name="Прямоугольник 10">
+            <a:extLst>
+              <a:ext uri="{FF2B5EF4-FFF2-40B4-BE49-F238E27FC236}">
+                <a16:creationId xmlns:a16="http://schemas.microsoft.com/office/drawing/2014/main" id="{C02D84EE-AE66-21DF-A65B-96962C2B2859}"/>
+              </a:ext>
+            </a:extLst>
+          </p:cNvPr>
+          <p:cNvSpPr/>
+          <p:nvPr/>
+        </p:nvSpPr>
+        <p:spPr>
+          <a:xfrm>
+            <a:off x="339048" y="6211115"/>
+            <a:ext cx="10754032" cy="630670"/>
+          </a:xfrm>
+          <a:prstGeom prst="rect">
+            <a:avLst/>
+          </a:prstGeom>
+          <a:solidFill>
+            <a:schemeClr val="bg1"/>
+          </a:solidFill>
+          <a:ln>
+            <a:noFill/>
+          </a:ln>
+        </p:spPr>
+        <p:style>
+          <a:lnRef idx="2">
+            <a:schemeClr val="accent1">
+              <a:shade val="15000"/>
+            </a:schemeClr>
+          </a:lnRef>
+          <a:fillRef idx="1">
+            <a:schemeClr val="accent1"/>
+          </a:fillRef>
+          <a:effectRef idx="0">
+            <a:schemeClr val="accent1"/>
+          </a:effectRef>
+          <a:fontRef idx="minor">
+            <a:schemeClr val="lt1"/>
+          </a:fontRef>
+        </p:style>
+        <p:txBody>
+          <a:bodyPr rtlCol="0" anchor="ctr"/>
+          <a:lstStyle/>
+          <a:p>
+            <a:pPr algn="ctr"/>
+            <a:endParaRPr lang="ru-RU" dirty="0"/>
+          </a:p>
+        </p:txBody>
+      </p:sp>
+      <p:sp>
+        <p:nvSpPr>
+          <p:cNvPr id="3" name="TextBox 2">
+            <a:extLst>
+              <a:ext uri="{FF2B5EF4-FFF2-40B4-BE49-F238E27FC236}">
                 <a16:creationId xmlns:a16="http://schemas.microsoft.com/office/drawing/2014/main" id="{789A079C-42D4-49E0-9781-9E66C4C02F78}"/>
               </a:ext>
             </a:extLst>
@@ -5091,7 +5490,7 @@
 </p:sld>
 </file>
 
-<file path=ppt/slides/slide11.xml><?xml version="1.0" encoding="utf-8"?>
+<file path=ppt/slides/slide12.xml><?xml version="1.0" encoding="utf-8"?>
 <p:sld xmlns:a="http://schemas.openxmlformats.org/drawingml/2006/main" xmlns:r="http://schemas.openxmlformats.org/officeDocument/2006/relationships" xmlns:p="http://schemas.openxmlformats.org/presentationml/2006/main">
   <p:cSld>
     <p:bg>
@@ -5302,13 +5701,13 @@
               <a:defRPr/>
             </a:pPr>
             <a:r>
-              <a:rPr lang="ru-RU" sz="1400" dirty="0">
+              <a:rPr lang="en-US" sz="1400" dirty="0">
                 <a:solidFill>
                   <a:prstClr val="white"/>
                 </a:solidFill>
                 <a:latin typeface="Elektra Text Pro" panose="02000503030000020004" pitchFamily="50" charset="-52"/>
               </a:rPr>
-              <a:t>Томашайтис Павел Андреевич</a:t>
+              <a:t>Negative Technologies</a:t>
             </a:r>
             <a:r>
               <a:rPr kumimoji="0" lang="ru-RU" sz="1400" b="0" i="0" u="none" strike="noStrike" kern="1200" cap="none" spc="0" normalizeH="0" baseline="0" noProof="0" dirty="0">
@@ -7728,9 +8127,18 @@
             </a:r>
             <a:r>
               <a:rPr lang="en-US" sz="2000" spc="-5" dirty="0">
+                <a:solidFill>
+                  <a:srgbClr val="0093CE"/>
+                </a:solidFill>
                 <a:ea typeface="SimSun" panose="02010600030101010101" pitchFamily="2" charset="-122"/>
               </a:rPr>
-              <a:t>Java – </a:t>
+              <a:t>Java</a:t>
+            </a:r>
+            <a:r>
+              <a:rPr lang="en-US" sz="2000" spc="-5" dirty="0">
+                <a:ea typeface="SimSun" panose="02010600030101010101" pitchFamily="2" charset="-122"/>
+              </a:rPr>
+              <a:t> – </a:t>
             </a:r>
             <a:r>
               <a:rPr lang="ru-RU" sz="2000" spc="-5" dirty="0">
@@ -7757,7 +8165,22 @@
               <a:rPr lang="en-US" sz="2000" spc="-5" dirty="0">
                 <a:ea typeface="SimSun" panose="02010600030101010101" pitchFamily="2" charset="-122"/>
               </a:rPr>
-              <a:t>UI: JavaFX – </a:t>
+              <a:t>UI: </a:t>
+            </a:r>
+            <a:r>
+              <a:rPr lang="en-US" sz="2000" spc="-5" dirty="0">
+                <a:solidFill>
+                  <a:srgbClr val="0093CE"/>
+                </a:solidFill>
+                <a:ea typeface="SimSun" panose="02010600030101010101" pitchFamily="2" charset="-122"/>
+              </a:rPr>
+              <a:t>JavaFX</a:t>
+            </a:r>
+            <a:r>
+              <a:rPr lang="en-US" sz="2000" spc="-5" dirty="0">
+                <a:ea typeface="SimSun" panose="02010600030101010101" pitchFamily="2" charset="-122"/>
+              </a:rPr>
+              <a:t> – </a:t>
             </a:r>
             <a:r>
               <a:rPr lang="ru-RU" sz="2000" spc="-5" dirty="0">
@@ -7782,6 +8205,9 @@
             </a:r>
             <a:r>
               <a:rPr lang="en-US" sz="2000" spc="-5" dirty="0">
+                <a:solidFill>
+                  <a:srgbClr val="0093CE"/>
+                </a:solidFill>
                 <a:ea typeface="SimSun" panose="02010600030101010101" pitchFamily="2" charset="-122"/>
               </a:rPr>
               <a:t>SQLite</a:t>
@@ -7827,6 +8253,9 @@
             </a:r>
             <a:r>
               <a:rPr lang="en-US" sz="2000" spc="-5" dirty="0" err="1">
+                <a:solidFill>
+                  <a:srgbClr val="0093CE"/>
+                </a:solidFill>
                 <a:ea typeface="SimSun" panose="02010600030101010101" pitchFamily="2" charset="-122"/>
               </a:rPr>
               <a:t>ProseMirror</a:t>
@@ -7970,10 +8399,10 @@
       </p:sp>
       <p:pic>
         <p:nvPicPr>
-          <p:cNvPr id="5" name="Рисунок 4">
+          <p:cNvPr id="10" name="Рисунок 9">
             <a:extLst>
               <a:ext uri="{FF2B5EF4-FFF2-40B4-BE49-F238E27FC236}">
-                <a16:creationId xmlns:a16="http://schemas.microsoft.com/office/drawing/2014/main" id="{47FB99F9-0DE3-4381-BB11-22A65ADAB359}"/>
+                <a16:creationId xmlns:a16="http://schemas.microsoft.com/office/drawing/2014/main" id="{9AB193E5-868A-4385-B572-1D18ACB56878}"/>
               </a:ext>
             </a:extLst>
           </p:cNvPr>
@@ -7983,7 +8412,7 @@
           <p:nvPr/>
         </p:nvPicPr>
         <p:blipFill>
-          <a:blip r:embed="rId4">
+          <a:blip r:embed="rId4" cstate="print">
             <a:extLst>
               <a:ext uri="{28A0092B-C50C-407E-A947-70E740481C1C}">
                 <a14:useLocalDpi xmlns:a14="http://schemas.microsoft.com/office/drawing/2010/main" val="0"/>
@@ -7996,7 +8425,7 @@
         </p:blipFill>
         <p:spPr>
           <a:xfrm>
-            <a:off x="10351922" y="1647435"/>
+            <a:off x="10800997" y="1609161"/>
             <a:ext cx="609524" cy="609524"/>
           </a:xfrm>
           <a:prstGeom prst="rect">
@@ -8006,10 +8435,10 @@
       </p:pic>
       <p:pic>
         <p:nvPicPr>
-          <p:cNvPr id="10" name="Рисунок 9">
+          <p:cNvPr id="12" name="Рисунок 11">
             <a:extLst>
               <a:ext uri="{FF2B5EF4-FFF2-40B4-BE49-F238E27FC236}">
-                <a16:creationId xmlns:a16="http://schemas.microsoft.com/office/drawing/2014/main" id="{9AB193E5-868A-4385-B572-1D18ACB56878}"/>
+                <a16:creationId xmlns:a16="http://schemas.microsoft.com/office/drawing/2014/main" id="{EE2FA45E-25D6-4850-A6FA-F313B08E7DB6}"/>
               </a:ext>
             </a:extLst>
           </p:cNvPr>
@@ -8032,8 +8461,8 @@
         </p:blipFill>
         <p:spPr>
           <a:xfrm>
-            <a:off x="9742398" y="2280255"/>
-            <a:ext cx="609524" cy="609524"/>
+            <a:off x="8070511" y="1737750"/>
+            <a:ext cx="688584" cy="1262863"/>
           </a:xfrm>
           <a:prstGeom prst="rect">
             <a:avLst/>
@@ -8042,15 +8471,15 @@
       </p:pic>
       <p:pic>
         <p:nvPicPr>
-          <p:cNvPr id="12" name="Рисунок 11">
+          <p:cNvPr id="1026" name="Picture 2" descr="Picture background">
             <a:extLst>
               <a:ext uri="{FF2B5EF4-FFF2-40B4-BE49-F238E27FC236}">
-                <a16:creationId xmlns:a16="http://schemas.microsoft.com/office/drawing/2014/main" id="{EE2FA45E-25D6-4850-A6FA-F313B08E7DB6}"/>
+                <a16:creationId xmlns:a16="http://schemas.microsoft.com/office/drawing/2014/main" id="{B8E036C0-9971-4C92-528D-257DD7B15919}"/>
               </a:ext>
             </a:extLst>
           </p:cNvPr>
           <p:cNvPicPr>
-            <a:picLocks noChangeAspect="1"/>
+            <a:picLocks noChangeAspect="1" noChangeArrowheads="1"/>
           </p:cNvPicPr>
           <p:nvPr/>
         </p:nvPicPr>
@@ -8062,31 +8491,42 @@
               </a:ext>
             </a:extLst>
           </a:blip>
+          <a:srcRect/>
           <a:stretch>
             <a:fillRect/>
           </a:stretch>
         </p:blipFill>
-        <p:spPr>
-          <a:xfrm>
-            <a:off x="8035779" y="1626916"/>
-            <a:ext cx="688584" cy="1262863"/>
+        <p:spPr bwMode="auto">
+          <a:xfrm>
+            <a:off x="8928618" y="1570887"/>
+            <a:ext cx="609524" cy="686072"/>
           </a:xfrm>
           <a:prstGeom prst="rect">
             <a:avLst/>
           </a:prstGeom>
+          <a:noFill/>
+          <a:extLst>
+            <a:ext uri="{909E8E84-426E-40DD-AFC4-6F175D3DCCD1}">
+              <a14:hiddenFill xmlns:a14="http://schemas.microsoft.com/office/drawing/2010/main">
+                <a:solidFill>
+                  <a:srgbClr val="FFFFFF"/>
+                </a:solidFill>
+              </a14:hiddenFill>
+            </a:ext>
+          </a:extLst>
         </p:spPr>
       </p:pic>
       <p:pic>
         <p:nvPicPr>
-          <p:cNvPr id="14" name="Рисунок 13">
+          <p:cNvPr id="1042" name="Picture 18" descr="Picture background">
             <a:extLst>
               <a:ext uri="{FF2B5EF4-FFF2-40B4-BE49-F238E27FC236}">
-                <a16:creationId xmlns:a16="http://schemas.microsoft.com/office/drawing/2014/main" id="{436C8E6B-B024-4CB2-B92E-37AAA2A8E3C6}"/>
+                <a16:creationId xmlns:a16="http://schemas.microsoft.com/office/drawing/2014/main" id="{9A5EEB32-9136-B478-B5FE-6FE18B31E061}"/>
               </a:ext>
             </a:extLst>
           </p:cNvPr>
           <p:cNvPicPr>
-            <a:picLocks noChangeAspect="1"/>
+            <a:picLocks noChangeAspect="1" noChangeArrowheads="1"/>
           </p:cNvPicPr>
           <p:nvPr/>
         </p:nvPicPr>
@@ -8098,18 +8538,29 @@
               </a:ext>
             </a:extLst>
           </a:blip>
+          <a:srcRect/>
           <a:stretch>
             <a:fillRect/>
           </a:stretch>
         </p:blipFill>
-        <p:spPr>
-          <a:xfrm>
-            <a:off x="8893886" y="1698736"/>
-            <a:ext cx="844617" cy="581519"/>
+        <p:spPr bwMode="auto">
+          <a:xfrm>
+            <a:off x="9707665" y="1894242"/>
+            <a:ext cx="1021601" cy="1106371"/>
           </a:xfrm>
           <a:prstGeom prst="rect">
             <a:avLst/>
           </a:prstGeom>
+          <a:noFill/>
+          <a:extLst>
+            <a:ext uri="{909E8E84-426E-40DD-AFC4-6F175D3DCCD1}">
+              <a14:hiddenFill xmlns:a14="http://schemas.microsoft.com/office/drawing/2010/main">
+                <a:solidFill>
+                  <a:srgbClr val="FFFFFF"/>
+                </a:solidFill>
+              </a14:hiddenFill>
+            </a:ext>
+          </a:extLst>
         </p:spPr>
       </p:pic>
     </p:spTree>
@@ -8381,6 +8832,15 @@
         <p:blipFill rotWithShape="1">
           <a:blip r:embed="rId4" cstate="print">
             <a:extLst>
+              <a:ext uri="{BEBA8EAE-BF5A-486C-A8C5-ECC9F3942E4B}">
+                <a14:imgProps xmlns:a14="http://schemas.microsoft.com/office/drawing/2010/main">
+                  <a14:imgLayer r:embed="rId5">
+                    <a14:imgEffect>
+                      <a14:brightnessContrast contrast="2000"/>
+                    </a14:imgEffect>
+                  </a14:imgLayer>
+                </a14:imgProps>
+              </a:ext>
               <a:ext uri="{28A0092B-C50C-407E-A947-70E740481C1C}">
                 <a14:useLocalDpi xmlns:a14="http://schemas.microsoft.com/office/drawing/2010/main" val="0"/>
               </a:ext>
@@ -8393,7 +8853,7 @@
         </p:blipFill>
         <p:spPr bwMode="auto">
           <a:xfrm>
-            <a:off x="996473" y="1662825"/>
+            <a:off x="3166300" y="1662825"/>
             <a:ext cx="5099527" cy="4191144"/>
           </a:xfrm>
           <a:prstGeom prst="rect">
@@ -8424,8 +8884,8 @@
         </p:nvSpPr>
         <p:spPr>
           <a:xfrm>
-            <a:off x="2398128" y="1004031"/>
-            <a:ext cx="7805059" cy="400110"/>
+            <a:off x="678093" y="1157845"/>
+            <a:ext cx="9586738" cy="400110"/>
           </a:xfrm>
           <a:prstGeom prst="rect">
             <a:avLst/>
@@ -8444,6 +8904,15 @@
               </a:rPr>
               <a:t>Основные шаги алгоритма обработки изменения содержимого узлов</a:t>
             </a:r>
+            <a:r>
+              <a:rPr lang="en-US" sz="2000" spc="-5" dirty="0">
+                <a:ea typeface="SimSun" panose="02010600030101010101" pitchFamily="2" charset="-122"/>
+              </a:rPr>
+              <a:t> ProseMirror</a:t>
+            </a:r>
+            <a:endParaRPr lang="ru-RU" sz="2000" spc="-5" dirty="0">
+              <a:ea typeface="SimSun" panose="02010600030101010101" pitchFamily="2" charset="-122"/>
+            </a:endParaRPr>
           </a:p>
         </p:txBody>
       </p:sp>
@@ -8715,8 +9184,8 @@
         </p:nvSpPr>
         <p:spPr>
           <a:xfrm>
-            <a:off x="3691125" y="968043"/>
-            <a:ext cx="5219065" cy="400110"/>
+            <a:off x="678093" y="1157845"/>
+            <a:ext cx="10202240" cy="400110"/>
           </a:xfrm>
           <a:prstGeom prst="rect">
             <a:avLst/>
@@ -8733,8 +9202,17 @@
               <a:rPr lang="ru-RU" sz="2000" spc="-5" dirty="0">
                 <a:ea typeface="SimSun" panose="02010600030101010101" pitchFamily="2" charset="-122"/>
               </a:rPr>
-              <a:t>Шаги шифрования содержимого заметки</a:t>
-            </a:r>
+              <a:t>Основные шаги алгоритма шифрования содержимого заметки</a:t>
+            </a:r>
+            <a:r>
+              <a:rPr lang="en-US" sz="2000" spc="-5" dirty="0">
+                <a:ea typeface="SimSun" panose="02010600030101010101" pitchFamily="2" charset="-122"/>
+              </a:rPr>
+              <a:t>:</a:t>
+            </a:r>
+            <a:endParaRPr lang="ru-RU" sz="2000" spc="-5" dirty="0">
+              <a:ea typeface="SimSun" panose="02010600030101010101" pitchFamily="2" charset="-122"/>
+            </a:endParaRPr>
           </a:p>
         </p:txBody>
       </p:sp>
@@ -8765,8 +9243,8 @@
         </p:blipFill>
         <p:spPr>
           <a:xfrm>
-            <a:off x="3345174" y="1502751"/>
-            <a:ext cx="5501652" cy="4387206"/>
+            <a:off x="3106168" y="1658904"/>
+            <a:ext cx="5581979" cy="4451262"/>
           </a:xfrm>
           <a:prstGeom prst="rect">
             <a:avLst/>

--- a/Приложение Tonpad.pptx
+++ b/Приложение Tonpad.pptx
@@ -5,7 +5,7 @@
     <p:sldMasterId id="2147483672" r:id="rId1"/>
   </p:sldMasterIdLst>
   <p:notesMasterIdLst>
-    <p:notesMasterId r:id="rId14"/>
+    <p:notesMasterId r:id="rId16"/>
   </p:notesMasterIdLst>
   <p:sldIdLst>
     <p:sldId id="256" r:id="rId2"/>
@@ -16,10 +16,12 @@
     <p:sldId id="284" r:id="rId7"/>
     <p:sldId id="290" r:id="rId8"/>
     <p:sldId id="291" r:id="rId9"/>
-    <p:sldId id="287" r:id="rId10"/>
-    <p:sldId id="293" r:id="rId11"/>
-    <p:sldId id="288" r:id="rId12"/>
+    <p:sldId id="294" r:id="rId10"/>
+    <p:sldId id="287" r:id="rId11"/>
+    <p:sldId id="293" r:id="rId12"/>
     <p:sldId id="267" r:id="rId13"/>
+    <p:sldId id="297" r:id="rId14"/>
+    <p:sldId id="295" r:id="rId15"/>
   </p:sldIdLst>
   <p:sldSz cx="12192000" cy="6858000"/>
   <p:notesSz cx="6858000" cy="9144000"/>
@@ -599,7 +601,7 @@
         <p:cNvPr id="1" name="">
           <a:extLst>
             <a:ext uri="{FF2B5EF4-FFF2-40B4-BE49-F238E27FC236}">
-              <a16:creationId xmlns:a16="http://schemas.microsoft.com/office/drawing/2014/main" id="{5E0A71B2-FAFD-8E3A-0100-42E689C3DC06}"/>
+              <a16:creationId xmlns:a16="http://schemas.microsoft.com/office/drawing/2014/main" id="{0E865EF9-F673-403A-3C76-10560FDDBA64}"/>
             </a:ext>
           </a:extLst>
         </p:cNvPr>
@@ -619,7 +621,7 @@
           <p:cNvPr id="2" name="Образ слайда 1">
             <a:extLst>
               <a:ext uri="{FF2B5EF4-FFF2-40B4-BE49-F238E27FC236}">
-                <a16:creationId xmlns:a16="http://schemas.microsoft.com/office/drawing/2014/main" id="{3A166E51-DA3F-DFE5-17CC-4B2D97F33D15}"/>
+                <a16:creationId xmlns:a16="http://schemas.microsoft.com/office/drawing/2014/main" id="{67C3AEB5-4CD3-F94F-C858-3B7F1DD85439}"/>
               </a:ext>
             </a:extLst>
           </p:cNvPr>
@@ -649,7 +651,7 @@
           <p:cNvPr id="3" name="Заметки 2">
             <a:extLst>
               <a:ext uri="{FF2B5EF4-FFF2-40B4-BE49-F238E27FC236}">
-                <a16:creationId xmlns:a16="http://schemas.microsoft.com/office/drawing/2014/main" id="{56D1DCD9-2209-09D6-20E9-6E40E8EBA1FD}"/>
+                <a16:creationId xmlns:a16="http://schemas.microsoft.com/office/drawing/2014/main" id="{2B61CC1A-B7C0-582C-36AC-EA43B23BBA96}"/>
               </a:ext>
             </a:extLst>
           </p:cNvPr>
@@ -674,7 +676,7 @@
           <p:cNvPr id="4" name="Номер слайда 3">
             <a:extLst>
               <a:ext uri="{FF2B5EF4-FFF2-40B4-BE49-F238E27FC236}">
-                <a16:creationId xmlns:a16="http://schemas.microsoft.com/office/drawing/2014/main" id="{39421BD3-5640-84D8-6B86-7FF7F0730115}"/>
+                <a16:creationId xmlns:a16="http://schemas.microsoft.com/office/drawing/2014/main" id="{B2454689-C808-E444-8808-6722F60B37DA}"/>
               </a:ext>
             </a:extLst>
           </p:cNvPr>
@@ -701,7 +703,127 @@
     </p:spTree>
     <p:extLst>
       <p:ext uri="{BB962C8B-B14F-4D97-AF65-F5344CB8AC3E}">
-        <p14:creationId xmlns:p14="http://schemas.microsoft.com/office/powerpoint/2010/main" val="487810830"/>
+        <p14:creationId xmlns:p14="http://schemas.microsoft.com/office/powerpoint/2010/main" val="122069411"/>
+      </p:ext>
+    </p:extLst>
+  </p:cSld>
+  <p:clrMapOvr>
+    <a:masterClrMapping/>
+  </p:clrMapOvr>
+</p:notes>
+</file>
+
+<file path=ppt/notesSlides/notesSlide11.xml><?xml version="1.0" encoding="utf-8"?>
+<p:notes xmlns:a="http://schemas.openxmlformats.org/drawingml/2006/main" xmlns:r="http://schemas.openxmlformats.org/officeDocument/2006/relationships" xmlns:p="http://schemas.openxmlformats.org/presentationml/2006/main">
+  <p:cSld>
+    <p:spTree>
+      <p:nvGrpSpPr>
+        <p:cNvPr id="1" name="">
+          <a:extLst>
+            <a:ext uri="{FF2B5EF4-FFF2-40B4-BE49-F238E27FC236}">
+              <a16:creationId xmlns:a16="http://schemas.microsoft.com/office/drawing/2014/main" id="{12E81F5D-7C52-CEEF-BAFA-979C042C7EEC}"/>
+            </a:ext>
+          </a:extLst>
+        </p:cNvPr>
+        <p:cNvGrpSpPr/>
+        <p:nvPr/>
+      </p:nvGrpSpPr>
+      <p:grpSpPr>
+        <a:xfrm>
+          <a:off x="0" y="0"/>
+          <a:ext cx="0" cy="0"/>
+          <a:chOff x="0" y="0"/>
+          <a:chExt cx="0" cy="0"/>
+        </a:xfrm>
+      </p:grpSpPr>
+      <p:sp>
+        <p:nvSpPr>
+          <p:cNvPr id="2" name="Образ слайда 1">
+            <a:extLst>
+              <a:ext uri="{FF2B5EF4-FFF2-40B4-BE49-F238E27FC236}">
+                <a16:creationId xmlns:a16="http://schemas.microsoft.com/office/drawing/2014/main" id="{84D36681-3CB8-AD07-F29D-5C719D923356}"/>
+              </a:ext>
+            </a:extLst>
+          </p:cNvPr>
+          <p:cNvSpPr>
+            <a:spLocks noGrp="1" noRot="1" noChangeAspect="1"/>
+          </p:cNvSpPr>
+          <p:nvPr>
+            <p:ph type="sldImg"/>
+          </p:nvPr>
+        </p:nvSpPr>
+        <p:spPr>
+          <a:xfrm>
+            <a:off x="381000" y="685800"/>
+            <a:ext cx="6096000" cy="3429000"/>
+          </a:xfrm>
+        </p:spPr>
+        <p:txBody>
+          <a:bodyPr/>
+          <a:lstStyle/>
+          <a:p>
+            <a:endParaRPr lang="ru-RU"/>
+          </a:p>
+        </p:txBody>
+      </p:sp>
+      <p:sp>
+        <p:nvSpPr>
+          <p:cNvPr id="3" name="Заметки 2">
+            <a:extLst>
+              <a:ext uri="{FF2B5EF4-FFF2-40B4-BE49-F238E27FC236}">
+                <a16:creationId xmlns:a16="http://schemas.microsoft.com/office/drawing/2014/main" id="{E55DFB75-9D27-798F-558E-148669341E14}"/>
+              </a:ext>
+            </a:extLst>
+          </p:cNvPr>
+          <p:cNvSpPr>
+            <a:spLocks noGrp="1"/>
+          </p:cNvSpPr>
+          <p:nvPr>
+            <p:ph type="body" idx="1"/>
+          </p:nvPr>
+        </p:nvSpPr>
+        <p:spPr/>
+        <p:txBody>
+          <a:bodyPr/>
+          <a:lstStyle/>
+          <a:p>
+            <a:endParaRPr lang="ru-RU" dirty="0"/>
+          </a:p>
+        </p:txBody>
+      </p:sp>
+      <p:sp>
+        <p:nvSpPr>
+          <p:cNvPr id="4" name="Номер слайда 3">
+            <a:extLst>
+              <a:ext uri="{FF2B5EF4-FFF2-40B4-BE49-F238E27FC236}">
+                <a16:creationId xmlns:a16="http://schemas.microsoft.com/office/drawing/2014/main" id="{6D9F8020-4F0C-C5E6-C38E-31EA01215075}"/>
+              </a:ext>
+            </a:extLst>
+          </p:cNvPr>
+          <p:cNvSpPr>
+            <a:spLocks noGrp="1"/>
+          </p:cNvSpPr>
+          <p:nvPr>
+            <p:ph type="sldNum" sz="quarter" idx="10"/>
+          </p:nvPr>
+        </p:nvSpPr>
+        <p:spPr/>
+        <p:txBody>
+          <a:bodyPr/>
+          <a:lstStyle/>
+          <a:p>
+            <a:fld id="{0048289E-2F4B-4BDB-9E3D-307BE649A8BF}" type="slidenum">
+              <a:rPr lang="ru-RU" smtClean="0"/>
+              <a:t>14</a:t>
+            </a:fld>
+            <a:endParaRPr lang="ru-RU"/>
+          </a:p>
+        </p:txBody>
+      </p:sp>
+    </p:spTree>
+    <p:extLst>
+      <p:ext uri="{BB962C8B-B14F-4D97-AF65-F5344CB8AC3E}">
+        <p14:creationId xmlns:p14="http://schemas.microsoft.com/office/powerpoint/2010/main" val="1116806035"/>
       </p:ext>
     </p:extLst>
   </p:cSld>
@@ -1391,7 +1513,7 @@
         <p:cNvPr id="1" name="">
           <a:extLst>
             <a:ext uri="{FF2B5EF4-FFF2-40B4-BE49-F238E27FC236}">
-              <a16:creationId xmlns:a16="http://schemas.microsoft.com/office/drawing/2014/main" id="{5E0A71B2-FAFD-8E3A-0100-42E689C3DC06}"/>
+              <a16:creationId xmlns:a16="http://schemas.microsoft.com/office/drawing/2014/main" id="{C7BA80D8-71E6-29C9-CE65-9CFC776D26D1}"/>
             </a:ext>
           </a:extLst>
         </p:cNvPr>
@@ -1411,7 +1533,7 @@
           <p:cNvPr id="2" name="Образ слайда 1">
             <a:extLst>
               <a:ext uri="{FF2B5EF4-FFF2-40B4-BE49-F238E27FC236}">
-                <a16:creationId xmlns:a16="http://schemas.microsoft.com/office/drawing/2014/main" id="{3A166E51-DA3F-DFE5-17CC-4B2D97F33D15}"/>
+                <a16:creationId xmlns:a16="http://schemas.microsoft.com/office/drawing/2014/main" id="{AF70A07F-9BD8-6C8A-DBCE-28781B3A0523}"/>
               </a:ext>
             </a:extLst>
           </p:cNvPr>
@@ -1441,7 +1563,7 @@
           <p:cNvPr id="3" name="Заметки 2">
             <a:extLst>
               <a:ext uri="{FF2B5EF4-FFF2-40B4-BE49-F238E27FC236}">
-                <a16:creationId xmlns:a16="http://schemas.microsoft.com/office/drawing/2014/main" id="{56D1DCD9-2209-09D6-20E9-6E40E8EBA1FD}"/>
+                <a16:creationId xmlns:a16="http://schemas.microsoft.com/office/drawing/2014/main" id="{028FCD52-7E7E-C9D7-DFFE-2B93DC31ED02}"/>
               </a:ext>
             </a:extLst>
           </p:cNvPr>
@@ -1466,7 +1588,7 @@
           <p:cNvPr id="4" name="Номер слайда 3">
             <a:extLst>
               <a:ext uri="{FF2B5EF4-FFF2-40B4-BE49-F238E27FC236}">
-                <a16:creationId xmlns:a16="http://schemas.microsoft.com/office/drawing/2014/main" id="{39421BD3-5640-84D8-6B86-7FF7F0730115}"/>
+                <a16:creationId xmlns:a16="http://schemas.microsoft.com/office/drawing/2014/main" id="{1C0D8C66-BBC4-1CE5-73C8-53E87CCA1E2E}"/>
               </a:ext>
             </a:extLst>
           </p:cNvPr>
@@ -1493,7 +1615,7 @@
     </p:spTree>
     <p:extLst>
       <p:ext uri="{BB962C8B-B14F-4D97-AF65-F5344CB8AC3E}">
-        <p14:creationId xmlns:p14="http://schemas.microsoft.com/office/powerpoint/2010/main" val="1413425124"/>
+        <p14:creationId xmlns:p14="http://schemas.microsoft.com/office/powerpoint/2010/main" val="583953194"/>
       </p:ext>
     </p:extLst>
   </p:cSld>
@@ -1511,7 +1633,7 @@
         <p:cNvPr id="1" name="">
           <a:extLst>
             <a:ext uri="{FF2B5EF4-FFF2-40B4-BE49-F238E27FC236}">
-              <a16:creationId xmlns:a16="http://schemas.microsoft.com/office/drawing/2014/main" id="{05EF7A3F-73A5-C870-EE32-018887C4F46F}"/>
+              <a16:creationId xmlns:a16="http://schemas.microsoft.com/office/drawing/2014/main" id="{5E0A71B2-FAFD-8E3A-0100-42E689C3DC06}"/>
             </a:ext>
           </a:extLst>
         </p:cNvPr>
@@ -1531,7 +1653,7 @@
           <p:cNvPr id="2" name="Образ слайда 1">
             <a:extLst>
               <a:ext uri="{FF2B5EF4-FFF2-40B4-BE49-F238E27FC236}">
-                <a16:creationId xmlns:a16="http://schemas.microsoft.com/office/drawing/2014/main" id="{50A2DFA1-2927-6212-77E5-388031D568B0}"/>
+                <a16:creationId xmlns:a16="http://schemas.microsoft.com/office/drawing/2014/main" id="{3A166E51-DA3F-DFE5-17CC-4B2D97F33D15}"/>
               </a:ext>
             </a:extLst>
           </p:cNvPr>
@@ -1561,7 +1683,7 @@
           <p:cNvPr id="3" name="Заметки 2">
             <a:extLst>
               <a:ext uri="{FF2B5EF4-FFF2-40B4-BE49-F238E27FC236}">
-                <a16:creationId xmlns:a16="http://schemas.microsoft.com/office/drawing/2014/main" id="{4A8E077B-0404-39AA-61DA-90DA5DA0943B}"/>
+                <a16:creationId xmlns:a16="http://schemas.microsoft.com/office/drawing/2014/main" id="{56D1DCD9-2209-09D6-20E9-6E40E8EBA1FD}"/>
               </a:ext>
             </a:extLst>
           </p:cNvPr>
@@ -1586,7 +1708,7 @@
           <p:cNvPr id="4" name="Номер слайда 3">
             <a:extLst>
               <a:ext uri="{FF2B5EF4-FFF2-40B4-BE49-F238E27FC236}">
-                <a16:creationId xmlns:a16="http://schemas.microsoft.com/office/drawing/2014/main" id="{C85FB339-0C78-F54F-E5A9-9B107EEE2E64}"/>
+                <a16:creationId xmlns:a16="http://schemas.microsoft.com/office/drawing/2014/main" id="{39421BD3-5640-84D8-6B86-7FF7F0730115}"/>
               </a:ext>
             </a:extLst>
           </p:cNvPr>
@@ -1613,7 +1735,7 @@
     </p:spTree>
     <p:extLst>
       <p:ext uri="{BB962C8B-B14F-4D97-AF65-F5344CB8AC3E}">
-        <p14:creationId xmlns:p14="http://schemas.microsoft.com/office/powerpoint/2010/main" val="1774738395"/>
+        <p14:creationId xmlns:p14="http://schemas.microsoft.com/office/powerpoint/2010/main" val="1413425124"/>
       </p:ext>
     </p:extLst>
   </p:cSld>
@@ -4827,7 +4949,7 @@
         <p:cNvPr id="1" name="">
           <a:extLst>
             <a:ext uri="{FF2B5EF4-FFF2-40B4-BE49-F238E27FC236}">
-              <a16:creationId xmlns:a16="http://schemas.microsoft.com/office/drawing/2014/main" id="{43DDB1A7-9122-5BEB-7E90-BF561AA55B3E}"/>
+              <a16:creationId xmlns:a16="http://schemas.microsoft.com/office/drawing/2014/main" id="{B7F830C5-CA2F-C192-AA2B-69D401113F10}"/>
             </a:ext>
           </a:extLst>
         </p:cNvPr>
@@ -4847,7 +4969,7 @@
           <p:cNvPr id="7" name="TextBox 6">
             <a:extLst>
               <a:ext uri="{FF2B5EF4-FFF2-40B4-BE49-F238E27FC236}">
-                <a16:creationId xmlns:a16="http://schemas.microsoft.com/office/drawing/2014/main" id="{A39ADDFB-7935-A082-4CA1-1F7A0C0C134A}"/>
+                <a16:creationId xmlns:a16="http://schemas.microsoft.com/office/drawing/2014/main" id="{25044FF3-1785-AAFD-E83E-8A45A199685F}"/>
               </a:ext>
             </a:extLst>
           </p:cNvPr>
@@ -4889,7 +5011,7 @@
           <p:cNvPr id="8" name="TextBox 7">
             <a:extLst>
               <a:ext uri="{FF2B5EF4-FFF2-40B4-BE49-F238E27FC236}">
-                <a16:creationId xmlns:a16="http://schemas.microsoft.com/office/drawing/2014/main" id="{EBF6E80F-9E77-8EDE-7F7B-E2042F57347D}"/>
+                <a16:creationId xmlns:a16="http://schemas.microsoft.com/office/drawing/2014/main" id="{6BC7EEA4-244E-5A40-37ED-632FCB9D6A0A}"/>
               </a:ext>
             </a:extLst>
           </p:cNvPr>
@@ -4936,7 +5058,7 @@
           <p:cNvPr id="11" name="Прямоугольник 10">
             <a:extLst>
               <a:ext uri="{FF2B5EF4-FFF2-40B4-BE49-F238E27FC236}">
-                <a16:creationId xmlns:a16="http://schemas.microsoft.com/office/drawing/2014/main" id="{B620B86A-8D52-CEA5-C6B2-F93F0F52E87F}"/>
+                <a16:creationId xmlns:a16="http://schemas.microsoft.com/office/drawing/2014/main" id="{C02D84EE-AE66-21DF-A65B-96962C2B2859}"/>
               </a:ext>
             </a:extLst>
           </p:cNvPr>
@@ -4988,7 +5110,7 @@
           <p:cNvPr id="3" name="TextBox 2">
             <a:extLst>
               <a:ext uri="{FF2B5EF4-FFF2-40B4-BE49-F238E27FC236}">
-                <a16:creationId xmlns:a16="http://schemas.microsoft.com/office/drawing/2014/main" id="{50EFAE65-2966-B8B6-3D45-9D478BC56550}"/>
+                <a16:creationId xmlns:a16="http://schemas.microsoft.com/office/drawing/2014/main" id="{789A079C-42D4-49E0-9781-9E66C4C02F78}"/>
               </a:ext>
             </a:extLst>
           </p:cNvPr>
@@ -5042,10 +5164,10 @@
       </p:sp>
       <p:pic>
         <p:nvPicPr>
-          <p:cNvPr id="2" name="Рисунок 1">
+          <p:cNvPr id="4" name="Рисунок 3">
             <a:extLst>
               <a:ext uri="{FF2B5EF4-FFF2-40B4-BE49-F238E27FC236}">
-                <a16:creationId xmlns:a16="http://schemas.microsoft.com/office/drawing/2014/main" id="{8514D2A6-654B-0D54-4A95-8CD0E4F825A3}"/>
+                <a16:creationId xmlns:a16="http://schemas.microsoft.com/office/drawing/2014/main" id="{A914CE02-5CE8-4E79-BFD3-657ACCAA40E3}"/>
               </a:ext>
             </a:extLst>
           </p:cNvPr>
@@ -5062,8 +5184,39 @@
         </p:blipFill>
         <p:spPr>
           <a:xfrm>
-            <a:off x="2739717" y="1209522"/>
-            <a:ext cx="6712565" cy="4687844"/>
+            <a:off x="690880" y="1159812"/>
+            <a:ext cx="4858150" cy="3910028"/>
+          </a:xfrm>
+          <a:prstGeom prst="rect">
+            <a:avLst/>
+          </a:prstGeom>
+        </p:spPr>
+      </p:pic>
+      <p:pic>
+        <p:nvPicPr>
+          <p:cNvPr id="5" name="Рисунок 4">
+            <a:extLst>
+              <a:ext uri="{FF2B5EF4-FFF2-40B4-BE49-F238E27FC236}">
+                <a16:creationId xmlns:a16="http://schemas.microsoft.com/office/drawing/2014/main" id="{7910FA59-6325-9452-3FF9-EE848C508A36}"/>
+              </a:ext>
+            </a:extLst>
+          </p:cNvPr>
+          <p:cNvPicPr>
+            <a:picLocks noChangeAspect="1"/>
+          </p:cNvPicPr>
+          <p:nvPr/>
+        </p:nvPicPr>
+        <p:blipFill>
+          <a:blip r:embed="rId5"/>
+          <a:srcRect t="367"/>
+          <a:stretch>
+            <a:fillRect/>
+          </a:stretch>
+        </p:blipFill>
+        <p:spPr>
+          <a:xfrm>
+            <a:off x="5772151" y="1165345"/>
+            <a:ext cx="5889018" cy="3918867"/>
           </a:xfrm>
           <a:prstGeom prst="rect">
             <a:avLst/>
@@ -5073,7 +5226,7 @@
     </p:spTree>
     <p:extLst>
       <p:ext uri="{BB962C8B-B14F-4D97-AF65-F5344CB8AC3E}">
-        <p14:creationId xmlns:p14="http://schemas.microsoft.com/office/powerpoint/2010/main" val="3348980856"/>
+        <p14:creationId xmlns:p14="http://schemas.microsoft.com/office/powerpoint/2010/main" val="169066922"/>
       </p:ext>
     </p:extLst>
   </p:cSld>
@@ -5105,7 +5258,7 @@
         <p:cNvPr id="1" name="">
           <a:extLst>
             <a:ext uri="{FF2B5EF4-FFF2-40B4-BE49-F238E27FC236}">
-              <a16:creationId xmlns:a16="http://schemas.microsoft.com/office/drawing/2014/main" id="{B7F830C5-CA2F-C192-AA2B-69D401113F10}"/>
+              <a16:creationId xmlns:a16="http://schemas.microsoft.com/office/drawing/2014/main" id="{6E7BEE84-AD6C-AD5E-3FE0-94701B7C24A4}"/>
             </a:ext>
           </a:extLst>
         </p:cNvPr>
@@ -5122,52 +5275,10 @@
       </p:grpSpPr>
       <p:sp>
         <p:nvSpPr>
-          <p:cNvPr id="7" name="TextBox 6">
-            <a:extLst>
-              <a:ext uri="{FF2B5EF4-FFF2-40B4-BE49-F238E27FC236}">
-                <a16:creationId xmlns:a16="http://schemas.microsoft.com/office/drawing/2014/main" id="{25044FF3-1785-AAFD-E83E-8A45A199685F}"/>
-              </a:ext>
-            </a:extLst>
-          </p:cNvPr>
-          <p:cNvSpPr txBox="1"/>
-          <p:nvPr/>
-        </p:nvSpPr>
-        <p:spPr>
-          <a:xfrm>
-            <a:off x="2351321" y="301539"/>
-            <a:ext cx="7898675" cy="369332"/>
-          </a:xfrm>
-          <a:prstGeom prst="rect">
-            <a:avLst/>
-          </a:prstGeom>
-          <a:noFill/>
-        </p:spPr>
-        <p:txBody>
-          <a:bodyPr wrap="square" lIns="91440" tIns="45720" rIns="91440" bIns="45720" rtlCol="0" anchor="ctr" anchorCtr="1">
-            <a:spAutoFit/>
-          </a:bodyPr>
-          <a:lstStyle/>
-          <a:p>
-            <a:pPr algn="ctr"/>
-            <a:r>
-              <a:rPr lang="ru-RU" dirty="0">
-                <a:solidFill>
-                  <a:schemeClr val="bg1"/>
-                </a:solidFill>
-                <a:latin typeface="Calibri"/>
-                <a:cs typeface="Calibri"/>
-              </a:rPr>
-              <a:t>ДОСТИГНУТЫЕ РЕЗУЛЬТАТЫ</a:t>
-            </a:r>
-          </a:p>
-        </p:txBody>
-      </p:sp>
-      <p:sp>
-        <p:nvSpPr>
           <p:cNvPr id="8" name="TextBox 7">
             <a:extLst>
               <a:ext uri="{FF2B5EF4-FFF2-40B4-BE49-F238E27FC236}">
-                <a16:creationId xmlns:a16="http://schemas.microsoft.com/office/drawing/2014/main" id="{6BC7EEA4-244E-5A40-37ED-632FCB9D6A0A}"/>
+                <a16:creationId xmlns:a16="http://schemas.microsoft.com/office/drawing/2014/main" id="{6E7BF59A-D090-758F-D832-A76F7B8CA5FA}"/>
               </a:ext>
             </a:extLst>
           </p:cNvPr>
@@ -5214,7 +5325,7 @@
           <p:cNvPr id="11" name="Прямоугольник 10">
             <a:extLst>
               <a:ext uri="{FF2B5EF4-FFF2-40B4-BE49-F238E27FC236}">
-                <a16:creationId xmlns:a16="http://schemas.microsoft.com/office/drawing/2014/main" id="{C02D84EE-AE66-21DF-A65B-96962C2B2859}"/>
+                <a16:creationId xmlns:a16="http://schemas.microsoft.com/office/drawing/2014/main" id="{D9E551B3-B404-580C-C151-B089695B54B8}"/>
               </a:ext>
             </a:extLst>
           </p:cNvPr>
@@ -5266,7 +5377,7 @@
           <p:cNvPr id="3" name="TextBox 2">
             <a:extLst>
               <a:ext uri="{FF2B5EF4-FFF2-40B4-BE49-F238E27FC236}">
-                <a16:creationId xmlns:a16="http://schemas.microsoft.com/office/drawing/2014/main" id="{789A079C-42D4-49E0-9781-9E66C4C02F78}"/>
+                <a16:creationId xmlns:a16="http://schemas.microsoft.com/office/drawing/2014/main" id="{2288140C-EB72-0E4D-27EA-88736D9A317C}"/>
               </a:ext>
             </a:extLst>
           </p:cNvPr>
@@ -5320,10 +5431,10 @@
       </p:sp>
       <p:sp>
         <p:nvSpPr>
-          <p:cNvPr id="9" name="TextBox 8">
+          <p:cNvPr id="6" name="TextBox 5">
             <a:extLst>
               <a:ext uri="{FF2B5EF4-FFF2-40B4-BE49-F238E27FC236}">
-                <a16:creationId xmlns:a16="http://schemas.microsoft.com/office/drawing/2014/main" id="{F5C50652-C9A8-4FC6-9028-2DA2E544377F}"/>
+                <a16:creationId xmlns:a16="http://schemas.microsoft.com/office/drawing/2014/main" id="{72E02D19-95FD-CE2F-93AE-EE8C271C0447}"/>
               </a:ext>
             </a:extLst>
           </p:cNvPr>
@@ -5332,8 +5443,50 @@
         </p:nvSpPr>
         <p:spPr>
           <a:xfrm>
+            <a:off x="2351321" y="301539"/>
+            <a:ext cx="7898675" cy="369332"/>
+          </a:xfrm>
+          <a:prstGeom prst="rect">
+            <a:avLst/>
+          </a:prstGeom>
+          <a:noFill/>
+        </p:spPr>
+        <p:txBody>
+          <a:bodyPr wrap="square" lIns="91440" tIns="45720" rIns="91440" bIns="45720" rtlCol="0" anchor="ctr" anchorCtr="1">
+            <a:spAutoFit/>
+          </a:bodyPr>
+          <a:lstStyle/>
+          <a:p>
+            <a:pPr algn="ctr"/>
+            <a:r>
+              <a:rPr lang="ru-RU" dirty="0">
+                <a:solidFill>
+                  <a:schemeClr val="bg1"/>
+                </a:solidFill>
+                <a:latin typeface="Calibri"/>
+                <a:cs typeface="Calibri"/>
+              </a:rPr>
+              <a:t>ДОСТИГНУТЫЕ РЕЗУЛЬТАТЫ</a:t>
+            </a:r>
+          </a:p>
+        </p:txBody>
+      </p:sp>
+      <p:sp>
+        <p:nvSpPr>
+          <p:cNvPr id="9" name="TextBox 8">
+            <a:extLst>
+              <a:ext uri="{FF2B5EF4-FFF2-40B4-BE49-F238E27FC236}">
+                <a16:creationId xmlns:a16="http://schemas.microsoft.com/office/drawing/2014/main" id="{01AE80C8-18E3-1894-9802-349451C205F4}"/>
+              </a:ext>
+            </a:extLst>
+          </p:cNvPr>
+          <p:cNvSpPr txBox="1"/>
+          <p:nvPr/>
+        </p:nvSpPr>
+        <p:spPr>
+          <a:xfrm>
             <a:off x="868668" y="1472549"/>
-            <a:ext cx="9687572" cy="2957861"/>
+            <a:ext cx="9687572" cy="3276282"/>
           </a:xfrm>
           <a:prstGeom prst="rect">
             <a:avLst/>
@@ -5352,7 +5505,7 @@
               </a:lnSpc>
             </a:pPr>
             <a:r>
-              <a:rPr lang="ru-RU" sz="1800" spc="-5" dirty="0">
+              <a:rPr lang="ru-RU" sz="2000" spc="-5" dirty="0">
                 <a:solidFill>
                   <a:srgbClr val="0093CE"/>
                 </a:solidFill>
@@ -5370,7 +5523,7 @@
               <a:buAutoNum type="arabicPeriod"/>
             </a:pPr>
             <a:r>
-              <a:rPr lang="ru-RU" spc="-5" dirty="0">
+              <a:rPr lang="ru-RU" sz="2000" spc="-5" dirty="0">
                 <a:ea typeface="SimSun" panose="02010600030101010101" pitchFamily="2" charset="-122"/>
               </a:rPr>
               <a:t>Разработан качественный и удобный интерфейс.</a:t>
@@ -5385,7 +5538,7 @@
               <a:buAutoNum type="arabicPeriod"/>
             </a:pPr>
             <a:r>
-              <a:rPr lang="ru-RU" spc="-5" dirty="0">
+              <a:rPr lang="ru-RU" sz="2000" spc="-5" dirty="0">
                 <a:ea typeface="SimSun" panose="02010600030101010101" pitchFamily="2" charset="-122"/>
               </a:rPr>
               <a:t>Разработанное приложение кроссплатформенно.</a:t>
@@ -5400,34 +5553,10 @@
               <a:buAutoNum type="arabicPeriod"/>
             </a:pPr>
             <a:r>
-              <a:rPr lang="ru-RU" sz="1800" spc="-5" dirty="0" err="1">
+              <a:rPr lang="ru-RU" sz="2000" spc="-5" dirty="0">
                 <a:ea typeface="SimSun" panose="02010600030101010101" pitchFamily="2" charset="-122"/>
               </a:rPr>
-              <a:t>Заметочник</a:t>
-            </a:r>
-            <a:r>
-              <a:rPr lang="ru-RU" sz="1800" spc="-5" dirty="0">
-                <a:ea typeface="SimSun" panose="02010600030101010101" pitchFamily="2" charset="-122"/>
-              </a:rPr>
-              <a:t> работает быстро</a:t>
-            </a:r>
-            <a:r>
-              <a:rPr lang="ru-RU" spc="-5" dirty="0">
-                <a:ea typeface="SimSun" panose="02010600030101010101" pitchFamily="2" charset="-122"/>
-              </a:rPr>
-              <a:t> в 144 </a:t>
-            </a:r>
-            <a:r>
-              <a:rPr lang="ru-RU" spc="-5" dirty="0" err="1">
-                <a:ea typeface="SimSun" panose="02010600030101010101" pitchFamily="2" charset="-122"/>
-              </a:rPr>
-              <a:t>фпс</a:t>
-            </a:r>
-            <a:r>
-              <a:rPr lang="ru-RU" spc="-5" dirty="0">
-                <a:ea typeface="SimSun" panose="02010600030101010101" pitchFamily="2" charset="-122"/>
-              </a:rPr>
-              <a:t>.</a:t>
+              <a:t>Заметочник работает быстро.</a:t>
             </a:r>
           </a:p>
           <a:p>
@@ -5439,7 +5568,7 @@
               <a:buAutoNum type="arabicPeriod"/>
             </a:pPr>
             <a:r>
-              <a:rPr lang="ru-RU" sz="1800" spc="-5" dirty="0">
+              <a:rPr lang="ru-RU" sz="2000" spc="-5" dirty="0">
                 <a:ea typeface="SimSun" panose="02010600030101010101" pitchFamily="2" charset="-122"/>
               </a:rPr>
               <a:t>Достигнуто требование использования шаблонов при работе с приложением.</a:t>
@@ -5454,7 +5583,7 @@
               <a:buAutoNum type="arabicPeriod"/>
             </a:pPr>
             <a:r>
-              <a:rPr lang="ru-RU" sz="1800" spc="-5" dirty="0">
+              <a:rPr lang="ru-RU" sz="2000" spc="-5" dirty="0">
                 <a:ea typeface="SimSun" panose="02010600030101010101" pitchFamily="2" charset="-122"/>
               </a:rPr>
               <a:t>Реализована удобная работа файлами заметок, директориями и шаблонами.</a:t>
@@ -5469,7 +5598,7 @@
               <a:buAutoNum type="arabicPeriod"/>
             </a:pPr>
             <a:r>
-              <a:rPr lang="ru-RU" sz="1800" spc="-5" dirty="0">
+              <a:rPr lang="ru-RU" sz="2000" spc="-5" dirty="0">
                 <a:ea typeface="SimSun" panose="02010600030101010101" pitchFamily="2" charset="-122"/>
               </a:rPr>
               <a:t>Реализовано надежное шифрование заметок.</a:t>
@@ -5480,7 +5609,7 @@
     </p:spTree>
     <p:extLst>
       <p:ext uri="{BB962C8B-B14F-4D97-AF65-F5344CB8AC3E}">
-        <p14:creationId xmlns:p14="http://schemas.microsoft.com/office/powerpoint/2010/main" val="959317227"/>
+        <p14:creationId xmlns:p14="http://schemas.microsoft.com/office/powerpoint/2010/main" val="1746344853"/>
       </p:ext>
     </p:extLst>
   </p:cSld>
@@ -5819,6 +5948,683 @@
     <p:extLst>
       <p:ext uri="{BB962C8B-B14F-4D97-AF65-F5344CB8AC3E}">
         <p14:creationId xmlns:p14="http://schemas.microsoft.com/office/powerpoint/2010/main" val="451246388"/>
+      </p:ext>
+    </p:extLst>
+  </p:cSld>
+  <p:clrMapOvr>
+    <a:masterClrMapping/>
+  </p:clrMapOvr>
+</p:sld>
+</file>
+
+<file path=ppt/slides/slide13.xml><?xml version="1.0" encoding="utf-8"?>
+<p:sld xmlns:a="http://schemas.openxmlformats.org/drawingml/2006/main" xmlns:r="http://schemas.openxmlformats.org/officeDocument/2006/relationships" xmlns:p="http://schemas.openxmlformats.org/presentationml/2006/main">
+  <p:cSld>
+    <p:spTree>
+      <p:nvGrpSpPr>
+        <p:cNvPr id="1" name="">
+          <a:extLst>
+            <a:ext uri="{FF2B5EF4-FFF2-40B4-BE49-F238E27FC236}">
+              <a16:creationId xmlns:a16="http://schemas.microsoft.com/office/drawing/2014/main" id="{9A9E8DF2-76B2-2CC4-1E4C-B28AA14E071E}"/>
+            </a:ext>
+          </a:extLst>
+        </p:cNvPr>
+        <p:cNvGrpSpPr/>
+        <p:nvPr/>
+      </p:nvGrpSpPr>
+      <p:grpSpPr>
+        <a:xfrm>
+          <a:off x="0" y="0"/>
+          <a:ext cx="0" cy="0"/>
+          <a:chOff x="0" y="0"/>
+          <a:chExt cx="0" cy="0"/>
+        </a:xfrm>
+      </p:grpSpPr>
+      <p:pic>
+        <p:nvPicPr>
+          <p:cNvPr id="3" name="Рисунок 2">
+            <a:extLst>
+              <a:ext uri="{FF2B5EF4-FFF2-40B4-BE49-F238E27FC236}">
+                <a16:creationId xmlns:a16="http://schemas.microsoft.com/office/drawing/2014/main" id="{5A6D74B4-A655-8E2E-DF7E-C605BC3FFF16}"/>
+              </a:ext>
+            </a:extLst>
+          </p:cNvPr>
+          <p:cNvPicPr>
+            <a:picLocks noChangeAspect="1"/>
+          </p:cNvPicPr>
+          <p:nvPr/>
+        </p:nvPicPr>
+        <p:blipFill>
+          <a:blip r:embed="rId2" cstate="print">
+            <a:extLst>
+              <a:ext uri="{28A0092B-C50C-407E-A947-70E740481C1C}">
+                <a14:useLocalDpi xmlns:a14="http://schemas.microsoft.com/office/drawing/2010/main" val="0"/>
+              </a:ext>
+            </a:extLst>
+          </a:blip>
+          <a:stretch>
+            <a:fillRect/>
+          </a:stretch>
+        </p:blipFill>
+        <p:spPr>
+          <a:xfrm>
+            <a:off x="0" y="1713"/>
+            <a:ext cx="12192000" cy="6854573"/>
+          </a:xfrm>
+          <a:prstGeom prst="rect">
+            <a:avLst/>
+          </a:prstGeom>
+        </p:spPr>
+      </p:pic>
+      <p:sp>
+        <p:nvSpPr>
+          <p:cNvPr id="7" name="TextBox 6">
+            <a:extLst>
+              <a:ext uri="{FF2B5EF4-FFF2-40B4-BE49-F238E27FC236}">
+                <a16:creationId xmlns:a16="http://schemas.microsoft.com/office/drawing/2014/main" id="{B61EB6C7-BE39-1C07-352C-5F6515343996}"/>
+              </a:ext>
+            </a:extLst>
+          </p:cNvPr>
+          <p:cNvSpPr txBox="1"/>
+          <p:nvPr/>
+        </p:nvSpPr>
+        <p:spPr>
+          <a:xfrm>
+            <a:off x="6627734" y="2613399"/>
+            <a:ext cx="3831772" cy="830997"/>
+          </a:xfrm>
+          <a:prstGeom prst="rect">
+            <a:avLst/>
+          </a:prstGeom>
+          <a:noFill/>
+        </p:spPr>
+        <p:txBody>
+          <a:bodyPr wrap="square" rtlCol="0" anchor="ctr" anchorCtr="1">
+            <a:spAutoFit/>
+          </a:bodyPr>
+          <a:lstStyle/>
+          <a:p>
+            <a:pPr marL="0" marR="0" lvl="0" indent="0" algn="ctr" defTabSz="914400" rtl="0" eaLnBrk="1" fontAlgn="auto" latinLnBrk="0" hangingPunct="1">
+              <a:lnSpc>
+                <a:spcPct val="100000"/>
+              </a:lnSpc>
+              <a:spcBef>
+                <a:spcPts val="0"/>
+              </a:spcBef>
+              <a:spcAft>
+                <a:spcPts val="0"/>
+              </a:spcAft>
+              <a:buClrTx/>
+              <a:buSzTx/>
+              <a:buFontTx/>
+              <a:buNone/>
+              <a:tabLst/>
+              <a:defRPr/>
+            </a:pPr>
+            <a:r>
+              <a:rPr lang="ru-RU" sz="2400" b="1" dirty="0">
+                <a:solidFill>
+                  <a:prstClr val="white"/>
+                </a:solidFill>
+                <a:latin typeface="Elektra Text Pro" panose="02000503030000020004" pitchFamily="50" charset="-52"/>
+              </a:rPr>
+              <a:t>СПАСИБО</a:t>
+            </a:r>
+            <a:r>
+              <a:rPr kumimoji="0" lang="ru-RU" sz="2400" b="1" i="0" u="none" strike="noStrike" kern="1200" cap="none" spc="0" normalizeH="0" baseline="0" noProof="0" dirty="0">
+                <a:ln>
+                  <a:noFill/>
+                </a:ln>
+                <a:solidFill>
+                  <a:prstClr val="white"/>
+                </a:solidFill>
+                <a:effectLst/>
+                <a:uLnTx/>
+                <a:uFillTx/>
+                <a:latin typeface="Elektra Text Pro" panose="02000503030000020004" pitchFamily="50" charset="-52"/>
+                <a:ea typeface="+mn-ea"/>
+                <a:cs typeface="+mn-cs"/>
+              </a:rPr>
+              <a:t> </a:t>
+            </a:r>
+          </a:p>
+          <a:p>
+            <a:pPr marL="0" marR="0" lvl="0" indent="0" algn="ctr" defTabSz="914400" rtl="0" eaLnBrk="1" fontAlgn="auto" latinLnBrk="0" hangingPunct="1">
+              <a:lnSpc>
+                <a:spcPct val="100000"/>
+              </a:lnSpc>
+              <a:spcBef>
+                <a:spcPts val="0"/>
+              </a:spcBef>
+              <a:spcAft>
+                <a:spcPts val="0"/>
+              </a:spcAft>
+              <a:buClrTx/>
+              <a:buSzTx/>
+              <a:buFontTx/>
+              <a:buNone/>
+              <a:tabLst/>
+              <a:defRPr/>
+            </a:pPr>
+            <a:r>
+              <a:rPr kumimoji="0" lang="ru-RU" sz="2400" b="1" i="0" u="none" strike="noStrike" kern="1200" cap="none" spc="0" normalizeH="0" baseline="0" noProof="0" dirty="0">
+                <a:ln>
+                  <a:noFill/>
+                </a:ln>
+                <a:solidFill>
+                  <a:prstClr val="white"/>
+                </a:solidFill>
+                <a:effectLst/>
+                <a:uLnTx/>
+                <a:uFillTx/>
+                <a:latin typeface="Elektra Text Pro" panose="02000503030000020004" pitchFamily="50" charset="-52"/>
+                <a:ea typeface="+mn-ea"/>
+                <a:cs typeface="+mn-cs"/>
+              </a:rPr>
+              <a:t>ЗА ВНИМАНИЕ</a:t>
+            </a:r>
+          </a:p>
+        </p:txBody>
+      </p:sp>
+      <p:sp>
+        <p:nvSpPr>
+          <p:cNvPr id="8" name="TextBox 7">
+            <a:extLst>
+              <a:ext uri="{FF2B5EF4-FFF2-40B4-BE49-F238E27FC236}">
+                <a16:creationId xmlns:a16="http://schemas.microsoft.com/office/drawing/2014/main" id="{256B8A6E-D87F-0404-C6B8-34DE29D9ED0C}"/>
+              </a:ext>
+            </a:extLst>
+          </p:cNvPr>
+          <p:cNvSpPr txBox="1"/>
+          <p:nvPr/>
+        </p:nvSpPr>
+        <p:spPr>
+          <a:xfrm>
+            <a:off x="6620477" y="4563597"/>
+            <a:ext cx="3846286" cy="738664"/>
+          </a:xfrm>
+          <a:prstGeom prst="rect">
+            <a:avLst/>
+          </a:prstGeom>
+          <a:noFill/>
+        </p:spPr>
+        <p:txBody>
+          <a:bodyPr wrap="square" rtlCol="0" anchor="ctr" anchorCtr="1">
+            <a:spAutoFit/>
+          </a:bodyPr>
+          <a:lstStyle/>
+          <a:p>
+            <a:pPr marL="0" marR="0" lvl="0" indent="0" algn="ctr" defTabSz="914400" rtl="0" eaLnBrk="1" fontAlgn="auto" latinLnBrk="0" hangingPunct="1">
+              <a:lnSpc>
+                <a:spcPct val="100000"/>
+              </a:lnSpc>
+              <a:spcBef>
+                <a:spcPts val="0"/>
+              </a:spcBef>
+              <a:spcAft>
+                <a:spcPts val="0"/>
+              </a:spcAft>
+              <a:buClrTx/>
+              <a:buSzTx/>
+              <a:buFontTx/>
+              <a:buNone/>
+              <a:tabLst/>
+              <a:defRPr/>
+            </a:pPr>
+            <a:r>
+              <a:rPr lang="en-US" sz="1400" dirty="0">
+                <a:solidFill>
+                  <a:prstClr val="white"/>
+                </a:solidFill>
+                <a:latin typeface="Elektra Text Pro" panose="02000503030000020004" pitchFamily="50" charset="-52"/>
+              </a:rPr>
+              <a:t>Negative Technologies</a:t>
+            </a:r>
+            <a:r>
+              <a:rPr kumimoji="0" lang="ru-RU" sz="1400" b="0" i="0" u="none" strike="noStrike" kern="1200" cap="none" spc="0" normalizeH="0" baseline="0" noProof="0" dirty="0">
+                <a:ln>
+                  <a:noFill/>
+                </a:ln>
+                <a:solidFill>
+                  <a:prstClr val="white"/>
+                </a:solidFill>
+                <a:effectLst/>
+                <a:uLnTx/>
+                <a:uFillTx/>
+                <a:latin typeface="Elektra Text Pro" panose="02000503030000020004" pitchFamily="50" charset="-52"/>
+                <a:ea typeface="+mn-ea"/>
+                <a:cs typeface="+mn-cs"/>
+              </a:rPr>
+              <a:t>,</a:t>
+            </a:r>
+          </a:p>
+          <a:p>
+            <a:pPr marL="0" marR="0" lvl="0" indent="0" algn="ctr" defTabSz="914400" rtl="0" eaLnBrk="1" fontAlgn="auto" latinLnBrk="0" hangingPunct="1">
+              <a:lnSpc>
+                <a:spcPct val="100000"/>
+              </a:lnSpc>
+              <a:spcBef>
+                <a:spcPts val="0"/>
+              </a:spcBef>
+              <a:spcAft>
+                <a:spcPts val="0"/>
+              </a:spcAft>
+              <a:buClrTx/>
+              <a:buSzTx/>
+              <a:buFontTx/>
+              <a:buNone/>
+              <a:tabLst/>
+              <a:defRPr/>
+            </a:pPr>
+            <a:r>
+              <a:rPr kumimoji="0" lang="ru-RU" sz="1400" b="0" i="0" u="none" strike="noStrike" kern="1200" cap="none" spc="0" normalizeH="0" baseline="0" noProof="0" dirty="0">
+                <a:ln>
+                  <a:noFill/>
+                </a:ln>
+                <a:solidFill>
+                  <a:prstClr val="white"/>
+                </a:solidFill>
+                <a:effectLst/>
+                <a:uLnTx/>
+                <a:uFillTx/>
+                <a:latin typeface="Elektra Text Pro" panose="02000503030000020004" pitchFamily="50" charset="-52"/>
+                <a:ea typeface="+mn-ea"/>
+                <a:cs typeface="+mn-cs"/>
+              </a:rPr>
+              <a:t>8-939-752-29-15,</a:t>
+            </a:r>
+          </a:p>
+          <a:p>
+            <a:pPr marL="0" marR="0" lvl="0" indent="0" algn="ctr" defTabSz="914400" rtl="0" eaLnBrk="1" fontAlgn="auto" latinLnBrk="0" hangingPunct="1">
+              <a:lnSpc>
+                <a:spcPct val="100000"/>
+              </a:lnSpc>
+              <a:spcBef>
+                <a:spcPts val="0"/>
+              </a:spcBef>
+              <a:spcAft>
+                <a:spcPts val="0"/>
+              </a:spcAft>
+              <a:buClrTx/>
+              <a:buSzTx/>
+              <a:buFontTx/>
+              <a:buNone/>
+              <a:tabLst/>
+              <a:defRPr/>
+            </a:pPr>
+            <a:r>
+              <a:rPr kumimoji="0" lang="en-US" sz="1400" b="0" i="0" u="none" strike="noStrike" kern="1200" cap="none" spc="0" normalizeH="0" baseline="0" noProof="0" dirty="0">
+                <a:ln>
+                  <a:noFill/>
+                </a:ln>
+                <a:solidFill>
+                  <a:prstClr val="white"/>
+                </a:solidFill>
+                <a:effectLst/>
+                <a:uLnTx/>
+                <a:uFillTx/>
+                <a:latin typeface="Elektra Text Pro" panose="02000503030000020004" pitchFamily="50" charset="-52"/>
+                <a:ea typeface="+mn-ea"/>
+                <a:cs typeface="+mn-cs"/>
+              </a:rPr>
+              <a:t>tomashaytis@gmail.com</a:t>
+            </a:r>
+            <a:endParaRPr kumimoji="0" lang="ru-RU" sz="1400" b="0" i="0" u="none" strike="noStrike" kern="1200" cap="none" spc="0" normalizeH="0" baseline="0" noProof="0" dirty="0">
+              <a:ln>
+                <a:noFill/>
+              </a:ln>
+              <a:solidFill>
+                <a:prstClr val="white"/>
+              </a:solidFill>
+              <a:effectLst/>
+              <a:uLnTx/>
+              <a:uFillTx/>
+              <a:latin typeface="Elektra Text Pro" panose="02000503030000020004" pitchFamily="50" charset="-52"/>
+              <a:ea typeface="+mn-ea"/>
+              <a:cs typeface="+mn-cs"/>
+            </a:endParaRPr>
+          </a:p>
+        </p:txBody>
+      </p:sp>
+    </p:spTree>
+    <p:extLst>
+      <p:ext uri="{BB962C8B-B14F-4D97-AF65-F5344CB8AC3E}">
+        <p14:creationId xmlns:p14="http://schemas.microsoft.com/office/powerpoint/2010/main" val="1321271338"/>
+      </p:ext>
+    </p:extLst>
+  </p:cSld>
+  <p:clrMapOvr>
+    <a:masterClrMapping/>
+  </p:clrMapOvr>
+</p:sld>
+</file>
+
+<file path=ppt/slides/slide14.xml><?xml version="1.0" encoding="utf-8"?>
+<p:sld xmlns:a="http://schemas.openxmlformats.org/drawingml/2006/main" xmlns:r="http://schemas.openxmlformats.org/officeDocument/2006/relationships" xmlns:p="http://schemas.openxmlformats.org/presentationml/2006/main">
+  <p:cSld>
+    <p:bg>
+      <p:bgPr>
+        <a:blipFill dpi="0" rotWithShape="1">
+          <a:blip r:embed="rId3">
+            <a:lum/>
+          </a:blip>
+          <a:srcRect/>
+          <a:stretch>
+            <a:fillRect/>
+          </a:stretch>
+        </a:blipFill>
+        <a:effectLst/>
+      </p:bgPr>
+    </p:bg>
+    <p:spTree>
+      <p:nvGrpSpPr>
+        <p:cNvPr id="1" name="">
+          <a:extLst>
+            <a:ext uri="{FF2B5EF4-FFF2-40B4-BE49-F238E27FC236}">
+              <a16:creationId xmlns:a16="http://schemas.microsoft.com/office/drawing/2014/main" id="{6297990B-3072-EA80-3D45-ABBA9DFD6621}"/>
+            </a:ext>
+          </a:extLst>
+        </p:cNvPr>
+        <p:cNvGrpSpPr/>
+        <p:nvPr/>
+      </p:nvGrpSpPr>
+      <p:grpSpPr>
+        <a:xfrm>
+          <a:off x="0" y="0"/>
+          <a:ext cx="0" cy="0"/>
+          <a:chOff x="0" y="0"/>
+          <a:chExt cx="0" cy="0"/>
+        </a:xfrm>
+      </p:grpSpPr>
+      <p:sp>
+        <p:nvSpPr>
+          <p:cNvPr id="7" name="TextBox 6">
+            <a:extLst>
+              <a:ext uri="{FF2B5EF4-FFF2-40B4-BE49-F238E27FC236}">
+                <a16:creationId xmlns:a16="http://schemas.microsoft.com/office/drawing/2014/main" id="{E995131F-46C7-A0BD-95C0-EB3B5CC25FCE}"/>
+              </a:ext>
+            </a:extLst>
+          </p:cNvPr>
+          <p:cNvSpPr txBox="1"/>
+          <p:nvPr/>
+        </p:nvSpPr>
+        <p:spPr>
+          <a:xfrm>
+            <a:off x="2351321" y="301539"/>
+            <a:ext cx="7898675" cy="369332"/>
+          </a:xfrm>
+          <a:prstGeom prst="rect">
+            <a:avLst/>
+          </a:prstGeom>
+          <a:noFill/>
+        </p:spPr>
+        <p:txBody>
+          <a:bodyPr wrap="square" lIns="91440" tIns="45720" rIns="91440" bIns="45720" rtlCol="0" anchor="ctr" anchorCtr="1">
+            <a:spAutoFit/>
+          </a:bodyPr>
+          <a:lstStyle/>
+          <a:p>
+            <a:pPr algn="ctr"/>
+            <a:r>
+              <a:rPr lang="ru-RU" dirty="0">
+                <a:solidFill>
+                  <a:schemeClr val="bg1"/>
+                </a:solidFill>
+                <a:latin typeface="Calibri"/>
+                <a:cs typeface="Calibri"/>
+              </a:rPr>
+              <a:t>СТРУКТУРА БАЗЫ ДАННЫХ</a:t>
+            </a:r>
+          </a:p>
+        </p:txBody>
+      </p:sp>
+      <p:sp>
+        <p:nvSpPr>
+          <p:cNvPr id="8" name="TextBox 7">
+            <a:extLst>
+              <a:ext uri="{FF2B5EF4-FFF2-40B4-BE49-F238E27FC236}">
+                <a16:creationId xmlns:a16="http://schemas.microsoft.com/office/drawing/2014/main" id="{9E78BE14-86E9-846E-054A-BBB8F2EB40B6}"/>
+              </a:ext>
+            </a:extLst>
+          </p:cNvPr>
+          <p:cNvSpPr txBox="1"/>
+          <p:nvPr/>
+        </p:nvSpPr>
+        <p:spPr>
+          <a:xfrm>
+            <a:off x="11105759" y="6341149"/>
+            <a:ext cx="469107" cy="369332"/>
+          </a:xfrm>
+          <a:prstGeom prst="rect">
+            <a:avLst/>
+          </a:prstGeom>
+          <a:noFill/>
+        </p:spPr>
+        <p:txBody>
+          <a:bodyPr wrap="square" rtlCol="0">
+            <a:spAutoFit/>
+          </a:bodyPr>
+          <a:lstStyle/>
+          <a:p>
+            <a:pPr algn="ctr"/>
+            <a:fld id="{9E79BFED-6ECD-4563-B483-CEA192FFFCCF}" type="slidenum">
+              <a:rPr lang="ru-RU">
+                <a:solidFill>
+                  <a:schemeClr val="bg1"/>
+                </a:solidFill>
+                <a:latin typeface="Elektra Medium Pro" panose="02000803000000020004" pitchFamily="50" charset="-52"/>
+              </a:rPr>
+              <a:t>14</a:t>
+            </a:fld>
+            <a:endParaRPr lang="ru-RU" dirty="0">
+              <a:solidFill>
+                <a:schemeClr val="bg1"/>
+              </a:solidFill>
+              <a:latin typeface="Elektra Medium Pro" panose="02000803000000020004" pitchFamily="50" charset="-52"/>
+            </a:endParaRPr>
+          </a:p>
+        </p:txBody>
+      </p:sp>
+      <p:sp>
+        <p:nvSpPr>
+          <p:cNvPr id="11" name="Прямоугольник 10">
+            <a:extLst>
+              <a:ext uri="{FF2B5EF4-FFF2-40B4-BE49-F238E27FC236}">
+                <a16:creationId xmlns:a16="http://schemas.microsoft.com/office/drawing/2014/main" id="{954615A8-186F-52F7-AA02-4ACD2C8A3DBF}"/>
+              </a:ext>
+            </a:extLst>
+          </p:cNvPr>
+          <p:cNvSpPr/>
+          <p:nvPr/>
+        </p:nvSpPr>
+        <p:spPr>
+          <a:xfrm>
+            <a:off x="339048" y="6211115"/>
+            <a:ext cx="10754032" cy="630670"/>
+          </a:xfrm>
+          <a:prstGeom prst="rect">
+            <a:avLst/>
+          </a:prstGeom>
+          <a:solidFill>
+            <a:schemeClr val="bg1"/>
+          </a:solidFill>
+          <a:ln>
+            <a:noFill/>
+          </a:ln>
+        </p:spPr>
+        <p:style>
+          <a:lnRef idx="2">
+            <a:schemeClr val="accent1">
+              <a:shade val="15000"/>
+            </a:schemeClr>
+          </a:lnRef>
+          <a:fillRef idx="1">
+            <a:schemeClr val="accent1"/>
+          </a:fillRef>
+          <a:effectRef idx="0">
+            <a:schemeClr val="accent1"/>
+          </a:effectRef>
+          <a:fontRef idx="minor">
+            <a:schemeClr val="lt1"/>
+          </a:fontRef>
+        </p:style>
+        <p:txBody>
+          <a:bodyPr rtlCol="0" anchor="ctr"/>
+          <a:lstStyle/>
+          <a:p>
+            <a:pPr algn="ctr"/>
+            <a:endParaRPr lang="ru-RU" dirty="0"/>
+          </a:p>
+        </p:txBody>
+      </p:sp>
+      <p:sp>
+        <p:nvSpPr>
+          <p:cNvPr id="3" name="TextBox 2">
+            <a:extLst>
+              <a:ext uri="{FF2B5EF4-FFF2-40B4-BE49-F238E27FC236}">
+                <a16:creationId xmlns:a16="http://schemas.microsoft.com/office/drawing/2014/main" id="{3A38CF30-C576-116B-B8FE-6DA6E9677902}"/>
+              </a:ext>
+            </a:extLst>
+          </p:cNvPr>
+          <p:cNvSpPr txBox="1"/>
+          <p:nvPr/>
+        </p:nvSpPr>
+        <p:spPr>
+          <a:xfrm>
+            <a:off x="868668" y="6211115"/>
+            <a:ext cx="10336007" cy="423449"/>
+          </a:xfrm>
+          <a:prstGeom prst="rect">
+            <a:avLst/>
+          </a:prstGeom>
+          <a:noFill/>
+        </p:spPr>
+        <p:txBody>
+          <a:bodyPr wrap="square" lIns="91440" tIns="45720" rIns="91440" bIns="45720" rtlCol="0" anchor="t">
+            <a:spAutoFit/>
+          </a:bodyPr>
+          <a:lstStyle/>
+          <a:p>
+            <a:pPr algn="r">
+              <a:lnSpc>
+                <a:spcPct val="150000"/>
+              </a:lnSpc>
+            </a:pPr>
+            <a:r>
+              <a:rPr lang="ru-RU" sz="1600" b="1" dirty="0">
+                <a:solidFill>
+                  <a:srgbClr val="0093CE"/>
+                </a:solidFill>
+              </a:rPr>
+              <a:t>Объектно/шаблонно ориентированный заметочник, </a:t>
+            </a:r>
+            <a:r>
+              <a:rPr lang="en-US" sz="1600" b="1" dirty="0">
+                <a:solidFill>
+                  <a:srgbClr val="0093CE"/>
+                </a:solidFill>
+              </a:rPr>
+              <a:t>Negative Technologies</a:t>
+            </a:r>
+            <a:endParaRPr lang="ru-RU" sz="1600" b="1" dirty="0">
+              <a:solidFill>
+                <a:srgbClr val="0093CE"/>
+              </a:solidFill>
+            </a:endParaRPr>
+          </a:p>
+        </p:txBody>
+      </p:sp>
+      <p:sp>
+        <p:nvSpPr>
+          <p:cNvPr id="9" name="TextBox 8">
+            <a:extLst>
+              <a:ext uri="{FF2B5EF4-FFF2-40B4-BE49-F238E27FC236}">
+                <a16:creationId xmlns:a16="http://schemas.microsoft.com/office/drawing/2014/main" id="{1730B347-B4AB-3E8C-B1AD-8C5953768A07}"/>
+              </a:ext>
+            </a:extLst>
+          </p:cNvPr>
+          <p:cNvSpPr txBox="1"/>
+          <p:nvPr/>
+        </p:nvSpPr>
+        <p:spPr>
+          <a:xfrm>
+            <a:off x="678093" y="1157845"/>
+            <a:ext cx="10202240" cy="400110"/>
+          </a:xfrm>
+          <a:prstGeom prst="rect">
+            <a:avLst/>
+          </a:prstGeom>
+          <a:noFill/>
+        </p:spPr>
+        <p:txBody>
+          <a:bodyPr wrap="square">
+            <a:spAutoFit/>
+          </a:bodyPr>
+          <a:lstStyle/>
+          <a:p>
+            <a:r>
+              <a:rPr lang="ru-RU" sz="2000" spc="-5" dirty="0">
+                <a:ea typeface="SimSun" panose="02010600030101010101" pitchFamily="2" charset="-122"/>
+              </a:rPr>
+              <a:t>Структура базы данных в разработанном приложении-заметочнике</a:t>
+            </a:r>
+            <a:r>
+              <a:rPr lang="en-US" sz="2000" spc="-5" dirty="0">
+                <a:ea typeface="SimSun" panose="02010600030101010101" pitchFamily="2" charset="-122"/>
+              </a:rPr>
+              <a:t>:</a:t>
+            </a:r>
+            <a:endParaRPr lang="ru-RU" sz="2000" spc="-5" dirty="0">
+              <a:ea typeface="SimSun" panose="02010600030101010101" pitchFamily="2" charset="-122"/>
+            </a:endParaRPr>
+          </a:p>
+        </p:txBody>
+      </p:sp>
+      <p:pic>
+        <p:nvPicPr>
+          <p:cNvPr id="4" name="Рисунок 3">
+            <a:extLst>
+              <a:ext uri="{FF2B5EF4-FFF2-40B4-BE49-F238E27FC236}">
+                <a16:creationId xmlns:a16="http://schemas.microsoft.com/office/drawing/2014/main" id="{DB5E9F91-826F-C317-08B4-479CDEFF4244}"/>
+              </a:ext>
+            </a:extLst>
+          </p:cNvPr>
+          <p:cNvPicPr>
+            <a:picLocks noChangeAspect="1"/>
+          </p:cNvPicPr>
+          <p:nvPr/>
+        </p:nvPicPr>
+        <p:blipFill>
+          <a:blip r:embed="rId4">
+            <a:extLst>
+              <a:ext uri="{28A0092B-C50C-407E-A947-70E740481C1C}">
+                <a14:useLocalDpi xmlns:a14="http://schemas.microsoft.com/office/drawing/2010/main" val="0"/>
+              </a:ext>
+            </a:extLst>
+          </a:blip>
+          <a:srcRect/>
+          <a:stretch>
+            <a:fillRect/>
+          </a:stretch>
+        </p:blipFill>
+        <p:spPr bwMode="auto">
+          <a:xfrm>
+            <a:off x="2192128" y="1778257"/>
+            <a:ext cx="8217059" cy="4212555"/>
+          </a:xfrm>
+          <a:prstGeom prst="rect">
+            <a:avLst/>
+          </a:prstGeom>
+          <a:noFill/>
+          <a:ln>
+            <a:noFill/>
+          </a:ln>
+        </p:spPr>
+      </p:pic>
+    </p:spTree>
+    <p:extLst>
+      <p:ext uri="{BB962C8B-B14F-4D97-AF65-F5344CB8AC3E}">
+        <p14:creationId xmlns:p14="http://schemas.microsoft.com/office/powerpoint/2010/main" val="2991890133"/>
       </p:ext>
     </p:extLst>
   </p:cSld>
@@ -9218,10 +10024,10 @@
       </p:sp>
       <p:pic>
         <p:nvPicPr>
-          <p:cNvPr id="4" name="Рисунок 3">
+          <p:cNvPr id="2" name="Рисунок 1">
             <a:extLst>
               <a:ext uri="{FF2B5EF4-FFF2-40B4-BE49-F238E27FC236}">
-                <a16:creationId xmlns:a16="http://schemas.microsoft.com/office/drawing/2014/main" id="{0CDADFA0-16B9-4859-9107-8E2803433C9C}"/>
+                <a16:creationId xmlns:a16="http://schemas.microsoft.com/office/drawing/2014/main" id="{EF105481-3FE2-4AF3-9569-CF47C0750419}"/>
               </a:ext>
             </a:extLst>
           </p:cNvPr>
@@ -9230,21 +10036,22 @@
           </p:cNvPicPr>
           <p:nvPr/>
         </p:nvPicPr>
-        <p:blipFill rotWithShape="1">
-          <a:blip r:embed="rId4" cstate="print">
+        <p:blipFill>
+          <a:blip r:embed="rId4">
             <a:extLst>
               <a:ext uri="{28A0092B-C50C-407E-A947-70E740481C1C}">
                 <a14:useLocalDpi xmlns:a14="http://schemas.microsoft.com/office/drawing/2010/main" val="0"/>
               </a:ext>
             </a:extLst>
           </a:blip>
-          <a:srcRect l="7125" r="37500"/>
-          <a:stretch/>
+          <a:stretch>
+            <a:fillRect/>
+          </a:stretch>
         </p:blipFill>
         <p:spPr>
           <a:xfrm>
-            <a:off x="3106168" y="1658904"/>
-            <a:ext cx="5581979" cy="4451262"/>
+            <a:off x="1175742" y="2071687"/>
+            <a:ext cx="9840516" cy="2714625"/>
           </a:xfrm>
           <a:prstGeom prst="rect">
             <a:avLst/>
@@ -9338,7 +10145,7 @@
                 <a:latin typeface="Calibri"/>
                 <a:cs typeface="Calibri"/>
               </a:rPr>
-              <a:t>ЗАГОЛОВОК</a:t>
+              <a:t>ОПИСАНИЕ РАЗРАБОТАННОГО ПРОГРАММНОГО ОБЕСПЕЧЕНИЯ</a:t>
             </a:r>
           </a:p>
         </p:txBody>
@@ -9499,12 +10306,58 @@
           </a:p>
         </p:txBody>
       </p:sp>
-      <p:sp>
-        <p:nvSpPr>
-          <p:cNvPr id="9" name="TextBox 8">
+      <p:pic>
+        <p:nvPicPr>
+          <p:cNvPr id="4" name="Рисунок 3">
             <a:extLst>
               <a:ext uri="{FF2B5EF4-FFF2-40B4-BE49-F238E27FC236}">
-                <a16:creationId xmlns:a16="http://schemas.microsoft.com/office/drawing/2014/main" id="{AC7AFFE9-CD92-4642-BF59-08A8E99D25DD}"/>
+                <a16:creationId xmlns:a16="http://schemas.microsoft.com/office/drawing/2014/main" id="{1AEA7981-642B-F219-96AF-EC036001639D}"/>
+              </a:ext>
+            </a:extLst>
+          </p:cNvPr>
+          <p:cNvPicPr>
+            <a:picLocks noChangeAspect="1"/>
+          </p:cNvPicPr>
+          <p:nvPr/>
+        </p:nvPicPr>
+        <p:blipFill rotWithShape="1">
+          <a:blip r:embed="rId4" cstate="print">
+            <a:extLst>
+              <a:ext uri="{28A0092B-C50C-407E-A947-70E740481C1C}">
+                <a14:useLocalDpi xmlns:a14="http://schemas.microsoft.com/office/drawing/2010/main" val="0"/>
+              </a:ext>
+            </a:extLst>
+          </a:blip>
+          <a:srcRect l="1948" t="3532" r="2480" b="2191"/>
+          <a:stretch>
+            <a:fillRect/>
+          </a:stretch>
+        </p:blipFill>
+        <p:spPr bwMode="auto">
+          <a:xfrm>
+            <a:off x="2951220" y="1659723"/>
+            <a:ext cx="6289560" cy="4449623"/>
+          </a:xfrm>
+          <a:prstGeom prst="rect">
+            <a:avLst/>
+          </a:prstGeom>
+          <a:noFill/>
+          <a:ln>
+            <a:noFill/>
+          </a:ln>
+          <a:extLst>
+            <a:ext uri="{53640926-AAD7-44D8-BBD7-CCE9431645EC}">
+              <a14:shadowObscured xmlns:a14="http://schemas.microsoft.com/office/drawing/2010/main"/>
+            </a:ext>
+          </a:extLst>
+        </p:spPr>
+      </p:pic>
+      <p:sp>
+        <p:nvSpPr>
+          <p:cNvPr id="5" name="TextBox 4">
+            <a:extLst>
+              <a:ext uri="{FF2B5EF4-FFF2-40B4-BE49-F238E27FC236}">
+                <a16:creationId xmlns:a16="http://schemas.microsoft.com/office/drawing/2014/main" id="{156444F0-8580-A883-71F9-83730DBE62E3}"/>
               </a:ext>
             </a:extLst>
           </p:cNvPr>
@@ -9513,8 +10366,8 @@
         </p:nvSpPr>
         <p:spPr>
           <a:xfrm>
-            <a:off x="3048000" y="2988816"/>
-            <a:ext cx="6096000" cy="464871"/>
+            <a:off x="678093" y="1157845"/>
+            <a:ext cx="10202240" cy="400110"/>
           </a:xfrm>
           <a:prstGeom prst="rect">
             <a:avLst/>
@@ -9527,17 +10380,33 @@
           </a:bodyPr>
           <a:lstStyle/>
           <a:p>
-            <a:pPr>
-              <a:lnSpc>
-                <a:spcPct val="150000"/>
-              </a:lnSpc>
-            </a:pPr>
-            <a:r>
-              <a:rPr lang="ru-RU" sz="1800" spc="-5" dirty="0">
+            <a:r>
+              <a:rPr lang="ru-RU" sz="2000" spc="-5" dirty="0">
                 <a:ea typeface="SimSun" panose="02010600030101010101" pitchFamily="2" charset="-122"/>
               </a:rPr>
-              <a:t>ВОЗМОЖНО ТУТ ПРО МОДУЛИ ЧЕ ТО НАПИСАТЬ СТОИТ</a:t>
-            </a:r>
+              <a:t>Контекстный уровень </a:t>
+            </a:r>
+            <a:r>
+              <a:rPr lang="en-US" sz="2000" spc="-5" dirty="0">
+                <a:ea typeface="SimSun" panose="02010600030101010101" pitchFamily="2" charset="-122"/>
+              </a:rPr>
+              <a:t>C4-</a:t>
+            </a:r>
+            <a:r>
+              <a:rPr lang="ru-RU" sz="2000" spc="-5" dirty="0">
+                <a:ea typeface="SimSun" panose="02010600030101010101" pitchFamily="2" charset="-122"/>
+              </a:rPr>
+              <a:t>диаграммы</a:t>
+            </a:r>
+            <a:r>
+              <a:rPr lang="en-US" sz="2000" spc="-5" dirty="0">
+                <a:ea typeface="SimSun" panose="02010600030101010101" pitchFamily="2" charset="-122"/>
+              </a:rPr>
+              <a:t>:</a:t>
+            </a:r>
+            <a:endParaRPr lang="ru-RU" sz="2000" spc="-5" dirty="0">
+              <a:ea typeface="SimSun" panose="02010600030101010101" pitchFamily="2" charset="-122"/>
+            </a:endParaRPr>
           </a:p>
         </p:txBody>
       </p:sp>
@@ -9576,7 +10445,7 @@
         <p:cNvPr id="1" name="">
           <a:extLst>
             <a:ext uri="{FF2B5EF4-FFF2-40B4-BE49-F238E27FC236}">
-              <a16:creationId xmlns:a16="http://schemas.microsoft.com/office/drawing/2014/main" id="{B7F830C5-CA2F-C192-AA2B-69D401113F10}"/>
+              <a16:creationId xmlns:a16="http://schemas.microsoft.com/office/drawing/2014/main" id="{76CC05C1-91C9-AD23-E7A2-149B04FD7235}"/>
             </a:ext>
           </a:extLst>
         </p:cNvPr>
@@ -9596,7 +10465,7 @@
           <p:cNvPr id="7" name="TextBox 6">
             <a:extLst>
               <a:ext uri="{FF2B5EF4-FFF2-40B4-BE49-F238E27FC236}">
-                <a16:creationId xmlns:a16="http://schemas.microsoft.com/office/drawing/2014/main" id="{25044FF3-1785-AAFD-E83E-8A45A199685F}"/>
+                <a16:creationId xmlns:a16="http://schemas.microsoft.com/office/drawing/2014/main" id="{44BF2046-F688-B219-20CE-093C57EB1AD6}"/>
               </a:ext>
             </a:extLst>
           </p:cNvPr>
@@ -9628,7 +10497,7 @@
                 <a:latin typeface="Calibri"/>
                 <a:cs typeface="Calibri"/>
               </a:rPr>
-              <a:t>ОСНОВНОЙ ИНТЕРФЕЙС ПРИЛОЖЕНИЯ</a:t>
+              <a:t>ОПИСАНИЕ РАЗРАБОТАННОГО ПРОГРАММНОГО ОБЕСПЕЧЕНИЯ</a:t>
             </a:r>
           </a:p>
         </p:txBody>
@@ -9638,7 +10507,7 @@
           <p:cNvPr id="8" name="TextBox 7">
             <a:extLst>
               <a:ext uri="{FF2B5EF4-FFF2-40B4-BE49-F238E27FC236}">
-                <a16:creationId xmlns:a16="http://schemas.microsoft.com/office/drawing/2014/main" id="{6BC7EEA4-244E-5A40-37ED-632FCB9D6A0A}"/>
+                <a16:creationId xmlns:a16="http://schemas.microsoft.com/office/drawing/2014/main" id="{765E4FE6-2ABB-84F9-64B8-3A80F671C6B4}"/>
               </a:ext>
             </a:extLst>
           </p:cNvPr>
@@ -9685,7 +10554,7 @@
           <p:cNvPr id="11" name="Прямоугольник 10">
             <a:extLst>
               <a:ext uri="{FF2B5EF4-FFF2-40B4-BE49-F238E27FC236}">
-                <a16:creationId xmlns:a16="http://schemas.microsoft.com/office/drawing/2014/main" id="{C02D84EE-AE66-21DF-A65B-96962C2B2859}"/>
+                <a16:creationId xmlns:a16="http://schemas.microsoft.com/office/drawing/2014/main" id="{A5904F1F-D87C-4641-0AD0-81272FEEC692}"/>
               </a:ext>
             </a:extLst>
           </p:cNvPr>
@@ -9737,7 +10606,7 @@
           <p:cNvPr id="3" name="TextBox 2">
             <a:extLst>
               <a:ext uri="{FF2B5EF4-FFF2-40B4-BE49-F238E27FC236}">
-                <a16:creationId xmlns:a16="http://schemas.microsoft.com/office/drawing/2014/main" id="{789A079C-42D4-49E0-9781-9E66C4C02F78}"/>
+                <a16:creationId xmlns:a16="http://schemas.microsoft.com/office/drawing/2014/main" id="{0A30EB83-025F-70E5-C802-98F7C8A7E730}"/>
               </a:ext>
             </a:extLst>
           </p:cNvPr>
@@ -9791,10 +10660,10 @@
       </p:sp>
       <p:pic>
         <p:nvPicPr>
-          <p:cNvPr id="4" name="Рисунок 3">
+          <p:cNvPr id="2" name="Рисунок 1">
             <a:extLst>
               <a:ext uri="{FF2B5EF4-FFF2-40B4-BE49-F238E27FC236}">
-                <a16:creationId xmlns:a16="http://schemas.microsoft.com/office/drawing/2014/main" id="{A914CE02-5CE8-4E79-BFD3-657ACCAA40E3}"/>
+                <a16:creationId xmlns:a16="http://schemas.microsoft.com/office/drawing/2014/main" id="{5BDB1D00-8852-25FD-66E9-09E337B7C372}"/>
               </a:ext>
             </a:extLst>
           </p:cNvPr>
@@ -9803,56 +10672,100 @@
           </p:cNvPicPr>
           <p:nvPr/>
         </p:nvPicPr>
-        <p:blipFill>
-          <a:blip r:embed="rId4"/>
+        <p:blipFill rotWithShape="1">
+          <a:blip r:embed="rId4" cstate="print">
+            <a:extLst>
+              <a:ext uri="{28A0092B-C50C-407E-A947-70E740481C1C}">
+                <a14:useLocalDpi xmlns:a14="http://schemas.microsoft.com/office/drawing/2010/main" val="0"/>
+              </a:ext>
+            </a:extLst>
+          </a:blip>
+          <a:srcRect l="1567" t="2845" r="1287" b="1731"/>
           <a:stretch>
             <a:fillRect/>
           </a:stretch>
         </p:blipFill>
-        <p:spPr>
-          <a:xfrm>
-            <a:off x="690880" y="1159812"/>
-            <a:ext cx="4858150" cy="3910028"/>
+        <p:spPr bwMode="auto">
+          <a:xfrm>
+            <a:off x="2239318" y="1656113"/>
+            <a:ext cx="7713363" cy="4555002"/>
           </a:xfrm>
           <a:prstGeom prst="rect">
             <a:avLst/>
           </a:prstGeom>
+          <a:noFill/>
+          <a:ln>
+            <a:noFill/>
+          </a:ln>
+          <a:extLst>
+            <a:ext uri="{53640926-AAD7-44D8-BBD7-CCE9431645EC}">
+              <a14:shadowObscured xmlns:a14="http://schemas.microsoft.com/office/drawing/2010/main"/>
+            </a:ext>
+          </a:extLst>
         </p:spPr>
       </p:pic>
-      <p:pic>
-        <p:nvPicPr>
-          <p:cNvPr id="13" name="Рисунок 12">
+      <p:sp>
+        <p:nvSpPr>
+          <p:cNvPr id="9" name="TextBox 8">
             <a:extLst>
               <a:ext uri="{FF2B5EF4-FFF2-40B4-BE49-F238E27FC236}">
-                <a16:creationId xmlns:a16="http://schemas.microsoft.com/office/drawing/2014/main" id="{FE34D964-5096-406B-8A8A-CC009CDDAAA4}"/>
+                <a16:creationId xmlns:a16="http://schemas.microsoft.com/office/drawing/2014/main" id="{C3058282-B1B2-AF1C-3D4B-59F2B5F507E5}"/>
               </a:ext>
             </a:extLst>
           </p:cNvPr>
-          <p:cNvPicPr>
-            <a:picLocks noChangeAspect="1"/>
-          </p:cNvPicPr>
+          <p:cNvSpPr txBox="1"/>
           <p:nvPr/>
-        </p:nvPicPr>
-        <p:blipFill>
-          <a:blip r:embed="rId5"/>
-          <a:stretch>
-            <a:fillRect/>
-          </a:stretch>
-        </p:blipFill>
+        </p:nvSpPr>
         <p:spPr>
           <a:xfrm>
-            <a:off x="5831839" y="1165404"/>
-            <a:ext cx="5901200" cy="3904435"/>
+            <a:off x="678093" y="1157845"/>
+            <a:ext cx="10202240" cy="400110"/>
           </a:xfrm>
           <a:prstGeom prst="rect">
             <a:avLst/>
           </a:prstGeom>
-        </p:spPr>
-      </p:pic>
+          <a:noFill/>
+        </p:spPr>
+        <p:txBody>
+          <a:bodyPr wrap="square">
+            <a:spAutoFit/>
+          </a:bodyPr>
+          <a:lstStyle/>
+          <a:p>
+            <a:r>
+              <a:rPr lang="ru-RU" sz="2000" spc="-5" dirty="0">
+                <a:ea typeface="SimSun" panose="02010600030101010101" pitchFamily="2" charset="-122"/>
+              </a:rPr>
+              <a:t>Контейнерный уровень </a:t>
+            </a:r>
+            <a:r>
+              <a:rPr lang="en-US" sz="2000" spc="-5" dirty="0">
+                <a:ea typeface="SimSun" panose="02010600030101010101" pitchFamily="2" charset="-122"/>
+              </a:rPr>
+              <a:t>C4-</a:t>
+            </a:r>
+            <a:r>
+              <a:rPr lang="ru-RU" sz="2000" spc="-5" dirty="0">
+                <a:ea typeface="SimSun" panose="02010600030101010101" pitchFamily="2" charset="-122"/>
+              </a:rPr>
+              <a:t>диаграммы</a:t>
+            </a:r>
+            <a:r>
+              <a:rPr lang="en-US" sz="2000" spc="-5" dirty="0">
+                <a:ea typeface="SimSun" panose="02010600030101010101" pitchFamily="2" charset="-122"/>
+              </a:rPr>
+              <a:t>:</a:t>
+            </a:r>
+            <a:endParaRPr lang="ru-RU" sz="2000" spc="-5" dirty="0">
+              <a:ea typeface="SimSun" panose="02010600030101010101" pitchFamily="2" charset="-122"/>
+            </a:endParaRPr>
+          </a:p>
+        </p:txBody>
+      </p:sp>
     </p:spTree>
     <p:extLst>
       <p:ext uri="{BB962C8B-B14F-4D97-AF65-F5344CB8AC3E}">
-        <p14:creationId xmlns:p14="http://schemas.microsoft.com/office/powerpoint/2010/main" val="169066922"/>
+        <p14:creationId xmlns:p14="http://schemas.microsoft.com/office/powerpoint/2010/main" val="1075364222"/>
       </p:ext>
     </p:extLst>
   </p:cSld>

--- a/Приложение Tonpad.pptx
+++ b/Приложение Tonpad.pptx
@@ -5,7 +5,7 @@
     <p:sldMasterId id="2147483672" r:id="rId1"/>
   </p:sldMasterIdLst>
   <p:notesMasterIdLst>
-    <p:notesMasterId r:id="rId16"/>
+    <p:notesMasterId r:id="rId17"/>
   </p:notesMasterIdLst>
   <p:sldIdLst>
     <p:sldId id="256" r:id="rId2"/>
@@ -16,12 +16,13 @@
     <p:sldId id="284" r:id="rId7"/>
     <p:sldId id="290" r:id="rId8"/>
     <p:sldId id="291" r:id="rId9"/>
-    <p:sldId id="294" r:id="rId10"/>
-    <p:sldId id="287" r:id="rId11"/>
-    <p:sldId id="293" r:id="rId12"/>
-    <p:sldId id="267" r:id="rId13"/>
-    <p:sldId id="297" r:id="rId14"/>
-    <p:sldId id="295" r:id="rId15"/>
+    <p:sldId id="298" r:id="rId10"/>
+    <p:sldId id="294" r:id="rId11"/>
+    <p:sldId id="287" r:id="rId12"/>
+    <p:sldId id="293" r:id="rId13"/>
+    <p:sldId id="267" r:id="rId14"/>
+    <p:sldId id="297" r:id="rId15"/>
+    <p:sldId id="295" r:id="rId16"/>
   </p:sldIdLst>
   <p:sldSz cx="12192000" cy="6858000"/>
   <p:notesSz cx="6858000" cy="9144000"/>
@@ -230,7 +231,7 @@
           <a:p>
             <a:fld id="{77D36C68-DDAB-4D09-8E72-8E937BD7768C}" type="datetimeFigureOut">
               <a:rPr lang="ru-RU" smtClean="0"/>
-              <a:t>14.12.2025</a:t>
+              <a:t>15.12.2025</a:t>
             </a:fld>
             <a:endParaRPr lang="ru-RU"/>
           </a:p>
@@ -601,6 +602,126 @@
         <p:cNvPr id="1" name="">
           <a:extLst>
             <a:ext uri="{FF2B5EF4-FFF2-40B4-BE49-F238E27FC236}">
+              <a16:creationId xmlns:a16="http://schemas.microsoft.com/office/drawing/2014/main" id="{5E0A71B2-FAFD-8E3A-0100-42E689C3DC06}"/>
+            </a:ext>
+          </a:extLst>
+        </p:cNvPr>
+        <p:cNvGrpSpPr/>
+        <p:nvPr/>
+      </p:nvGrpSpPr>
+      <p:grpSpPr>
+        <a:xfrm>
+          <a:off x="0" y="0"/>
+          <a:ext cx="0" cy="0"/>
+          <a:chOff x="0" y="0"/>
+          <a:chExt cx="0" cy="0"/>
+        </a:xfrm>
+      </p:grpSpPr>
+      <p:sp>
+        <p:nvSpPr>
+          <p:cNvPr id="2" name="Образ слайда 1">
+            <a:extLst>
+              <a:ext uri="{FF2B5EF4-FFF2-40B4-BE49-F238E27FC236}">
+                <a16:creationId xmlns:a16="http://schemas.microsoft.com/office/drawing/2014/main" id="{3A166E51-DA3F-DFE5-17CC-4B2D97F33D15}"/>
+              </a:ext>
+            </a:extLst>
+          </p:cNvPr>
+          <p:cNvSpPr>
+            <a:spLocks noGrp="1" noRot="1" noChangeAspect="1"/>
+          </p:cNvSpPr>
+          <p:nvPr>
+            <p:ph type="sldImg"/>
+          </p:nvPr>
+        </p:nvSpPr>
+        <p:spPr>
+          <a:xfrm>
+            <a:off x="381000" y="685800"/>
+            <a:ext cx="6096000" cy="3429000"/>
+          </a:xfrm>
+        </p:spPr>
+        <p:txBody>
+          <a:bodyPr/>
+          <a:lstStyle/>
+          <a:p>
+            <a:endParaRPr lang="ru-RU"/>
+          </a:p>
+        </p:txBody>
+      </p:sp>
+      <p:sp>
+        <p:nvSpPr>
+          <p:cNvPr id="3" name="Заметки 2">
+            <a:extLst>
+              <a:ext uri="{FF2B5EF4-FFF2-40B4-BE49-F238E27FC236}">
+                <a16:creationId xmlns:a16="http://schemas.microsoft.com/office/drawing/2014/main" id="{56D1DCD9-2209-09D6-20E9-6E40E8EBA1FD}"/>
+              </a:ext>
+            </a:extLst>
+          </p:cNvPr>
+          <p:cNvSpPr>
+            <a:spLocks noGrp="1"/>
+          </p:cNvSpPr>
+          <p:nvPr>
+            <p:ph type="body" idx="1"/>
+          </p:nvPr>
+        </p:nvSpPr>
+        <p:spPr/>
+        <p:txBody>
+          <a:bodyPr/>
+          <a:lstStyle/>
+          <a:p>
+            <a:endParaRPr lang="ru-RU" dirty="0"/>
+          </a:p>
+        </p:txBody>
+      </p:sp>
+      <p:sp>
+        <p:nvSpPr>
+          <p:cNvPr id="4" name="Номер слайда 3">
+            <a:extLst>
+              <a:ext uri="{FF2B5EF4-FFF2-40B4-BE49-F238E27FC236}">
+                <a16:creationId xmlns:a16="http://schemas.microsoft.com/office/drawing/2014/main" id="{39421BD3-5640-84D8-6B86-7FF7F0730115}"/>
+              </a:ext>
+            </a:extLst>
+          </p:cNvPr>
+          <p:cNvSpPr>
+            <a:spLocks noGrp="1"/>
+          </p:cNvSpPr>
+          <p:nvPr>
+            <p:ph type="sldNum" sz="quarter" idx="10"/>
+          </p:nvPr>
+        </p:nvSpPr>
+        <p:spPr/>
+        <p:txBody>
+          <a:bodyPr/>
+          <a:lstStyle/>
+          <a:p>
+            <a:fld id="{0048289E-2F4B-4BDB-9E3D-307BE649A8BF}" type="slidenum">
+              <a:rPr lang="ru-RU" smtClean="0"/>
+              <a:t>11</a:t>
+            </a:fld>
+            <a:endParaRPr lang="ru-RU"/>
+          </a:p>
+        </p:txBody>
+      </p:sp>
+    </p:spTree>
+    <p:extLst>
+      <p:ext uri="{BB962C8B-B14F-4D97-AF65-F5344CB8AC3E}">
+        <p14:creationId xmlns:p14="http://schemas.microsoft.com/office/powerpoint/2010/main" val="1413425124"/>
+      </p:ext>
+    </p:extLst>
+  </p:cSld>
+  <p:clrMapOvr>
+    <a:masterClrMapping/>
+  </p:clrMapOvr>
+</p:notes>
+</file>
+
+<file path=ppt/notesSlides/notesSlide11.xml><?xml version="1.0" encoding="utf-8"?>
+<p:notes xmlns:a="http://schemas.openxmlformats.org/drawingml/2006/main" xmlns:r="http://schemas.openxmlformats.org/officeDocument/2006/relationships" xmlns:p="http://schemas.openxmlformats.org/presentationml/2006/main">
+  <p:cSld>
+    <p:spTree>
+      <p:nvGrpSpPr>
+        <p:cNvPr id="1" name="">
+          <a:extLst>
+            <a:ext uri="{FF2B5EF4-FFF2-40B4-BE49-F238E27FC236}">
               <a16:creationId xmlns:a16="http://schemas.microsoft.com/office/drawing/2014/main" id="{0E865EF9-F673-403A-3C76-10560FDDBA64}"/>
             </a:ext>
           </a:extLst>
@@ -694,7 +815,7 @@
           <a:p>
             <a:fld id="{0048289E-2F4B-4BDB-9E3D-307BE649A8BF}" type="slidenum">
               <a:rPr lang="ru-RU" smtClean="0"/>
-              <a:t>11</a:t>
+              <a:t>12</a:t>
             </a:fld>
             <a:endParaRPr lang="ru-RU"/>
           </a:p>
@@ -713,7 +834,7 @@
 </p:notes>
 </file>
 
-<file path=ppt/notesSlides/notesSlide11.xml><?xml version="1.0" encoding="utf-8"?>
+<file path=ppt/notesSlides/notesSlide12.xml><?xml version="1.0" encoding="utf-8"?>
 <p:notes xmlns:a="http://schemas.openxmlformats.org/drawingml/2006/main" xmlns:r="http://schemas.openxmlformats.org/officeDocument/2006/relationships" xmlns:p="http://schemas.openxmlformats.org/presentationml/2006/main">
   <p:cSld>
     <p:spTree>
@@ -814,7 +935,7 @@
           <a:p>
             <a:fld id="{0048289E-2F4B-4BDB-9E3D-307BE649A8BF}" type="slidenum">
               <a:rPr lang="ru-RU" smtClean="0"/>
-              <a:t>14</a:t>
+              <a:t>15</a:t>
             </a:fld>
             <a:endParaRPr lang="ru-RU"/>
           </a:p>
@@ -1513,7 +1634,7 @@
         <p:cNvPr id="1" name="">
           <a:extLst>
             <a:ext uri="{FF2B5EF4-FFF2-40B4-BE49-F238E27FC236}">
-              <a16:creationId xmlns:a16="http://schemas.microsoft.com/office/drawing/2014/main" id="{C7BA80D8-71E6-29C9-CE65-9CFC776D26D1}"/>
+              <a16:creationId xmlns:a16="http://schemas.microsoft.com/office/drawing/2014/main" id="{B30C5B5F-7611-F977-3DAF-E00A8CF1CDBB}"/>
             </a:ext>
           </a:extLst>
         </p:cNvPr>
@@ -1533,7 +1654,7 @@
           <p:cNvPr id="2" name="Образ слайда 1">
             <a:extLst>
               <a:ext uri="{FF2B5EF4-FFF2-40B4-BE49-F238E27FC236}">
-                <a16:creationId xmlns:a16="http://schemas.microsoft.com/office/drawing/2014/main" id="{AF70A07F-9BD8-6C8A-DBCE-28781B3A0523}"/>
+                <a16:creationId xmlns:a16="http://schemas.microsoft.com/office/drawing/2014/main" id="{637CC24C-01EF-D573-ED27-9202A72B613D}"/>
               </a:ext>
             </a:extLst>
           </p:cNvPr>
@@ -1563,7 +1684,7 @@
           <p:cNvPr id="3" name="Заметки 2">
             <a:extLst>
               <a:ext uri="{FF2B5EF4-FFF2-40B4-BE49-F238E27FC236}">
-                <a16:creationId xmlns:a16="http://schemas.microsoft.com/office/drawing/2014/main" id="{028FCD52-7E7E-C9D7-DFFE-2B93DC31ED02}"/>
+                <a16:creationId xmlns:a16="http://schemas.microsoft.com/office/drawing/2014/main" id="{75BB6B3A-EDA4-19E1-591C-170FCAAC745B}"/>
               </a:ext>
             </a:extLst>
           </p:cNvPr>
@@ -1588,7 +1709,7 @@
           <p:cNvPr id="4" name="Номер слайда 3">
             <a:extLst>
               <a:ext uri="{FF2B5EF4-FFF2-40B4-BE49-F238E27FC236}">
-                <a16:creationId xmlns:a16="http://schemas.microsoft.com/office/drawing/2014/main" id="{1C0D8C66-BBC4-1CE5-73C8-53E87CCA1E2E}"/>
+                <a16:creationId xmlns:a16="http://schemas.microsoft.com/office/drawing/2014/main" id="{50AC8C2D-92E8-CC07-F816-DDDB2CF1B089}"/>
               </a:ext>
             </a:extLst>
           </p:cNvPr>
@@ -1615,7 +1736,7 @@
     </p:spTree>
     <p:extLst>
       <p:ext uri="{BB962C8B-B14F-4D97-AF65-F5344CB8AC3E}">
-        <p14:creationId xmlns:p14="http://schemas.microsoft.com/office/powerpoint/2010/main" val="583953194"/>
+        <p14:creationId xmlns:p14="http://schemas.microsoft.com/office/powerpoint/2010/main" val="2881885523"/>
       </p:ext>
     </p:extLst>
   </p:cSld>
@@ -1633,7 +1754,7 @@
         <p:cNvPr id="1" name="">
           <a:extLst>
             <a:ext uri="{FF2B5EF4-FFF2-40B4-BE49-F238E27FC236}">
-              <a16:creationId xmlns:a16="http://schemas.microsoft.com/office/drawing/2014/main" id="{5E0A71B2-FAFD-8E3A-0100-42E689C3DC06}"/>
+              <a16:creationId xmlns:a16="http://schemas.microsoft.com/office/drawing/2014/main" id="{C7BA80D8-71E6-29C9-CE65-9CFC776D26D1}"/>
             </a:ext>
           </a:extLst>
         </p:cNvPr>
@@ -1653,7 +1774,7 @@
           <p:cNvPr id="2" name="Образ слайда 1">
             <a:extLst>
               <a:ext uri="{FF2B5EF4-FFF2-40B4-BE49-F238E27FC236}">
-                <a16:creationId xmlns:a16="http://schemas.microsoft.com/office/drawing/2014/main" id="{3A166E51-DA3F-DFE5-17CC-4B2D97F33D15}"/>
+                <a16:creationId xmlns:a16="http://schemas.microsoft.com/office/drawing/2014/main" id="{AF70A07F-9BD8-6C8A-DBCE-28781B3A0523}"/>
               </a:ext>
             </a:extLst>
           </p:cNvPr>
@@ -1683,7 +1804,7 @@
           <p:cNvPr id="3" name="Заметки 2">
             <a:extLst>
               <a:ext uri="{FF2B5EF4-FFF2-40B4-BE49-F238E27FC236}">
-                <a16:creationId xmlns:a16="http://schemas.microsoft.com/office/drawing/2014/main" id="{56D1DCD9-2209-09D6-20E9-6E40E8EBA1FD}"/>
+                <a16:creationId xmlns:a16="http://schemas.microsoft.com/office/drawing/2014/main" id="{028FCD52-7E7E-C9D7-DFFE-2B93DC31ED02}"/>
               </a:ext>
             </a:extLst>
           </p:cNvPr>
@@ -1708,7 +1829,7 @@
           <p:cNvPr id="4" name="Номер слайда 3">
             <a:extLst>
               <a:ext uri="{FF2B5EF4-FFF2-40B4-BE49-F238E27FC236}">
-                <a16:creationId xmlns:a16="http://schemas.microsoft.com/office/drawing/2014/main" id="{39421BD3-5640-84D8-6B86-7FF7F0730115}"/>
+                <a16:creationId xmlns:a16="http://schemas.microsoft.com/office/drawing/2014/main" id="{1C0D8C66-BBC4-1CE5-73C8-53E87CCA1E2E}"/>
               </a:ext>
             </a:extLst>
           </p:cNvPr>
@@ -1735,7 +1856,7 @@
     </p:spTree>
     <p:extLst>
       <p:ext uri="{BB962C8B-B14F-4D97-AF65-F5344CB8AC3E}">
-        <p14:creationId xmlns:p14="http://schemas.microsoft.com/office/powerpoint/2010/main" val="1413425124"/>
+        <p14:creationId xmlns:p14="http://schemas.microsoft.com/office/powerpoint/2010/main" val="583953194"/>
       </p:ext>
     </p:extLst>
   </p:cSld>
@@ -1876,7 +1997,7 @@
           <a:p>
             <a:fld id="{0CD2006A-6BE7-43E8-8AD6-C09FC266B36F}" type="datetime1">
               <a:rPr lang="ru-RU" smtClean="0"/>
-              <a:t>14.12.2025</a:t>
+              <a:t>15.12.2025</a:t>
             </a:fld>
             <a:endParaRPr lang="ru-RU"/>
           </a:p>
@@ -2046,7 +2167,7 @@
           <a:p>
             <a:fld id="{DCFD85EE-4AB9-42CD-8126-E74FE77A9ED8}" type="datetime1">
               <a:rPr lang="ru-RU" smtClean="0"/>
-              <a:t>14.12.2025</a:t>
+              <a:t>15.12.2025</a:t>
             </a:fld>
             <a:endParaRPr lang="ru-RU"/>
           </a:p>
@@ -2226,7 +2347,7 @@
           <a:p>
             <a:fld id="{560B916C-83BE-4CC1-8A21-D05CD30C43DB}" type="datetime1">
               <a:rPr lang="ru-RU" smtClean="0"/>
-              <a:t>14.12.2025</a:t>
+              <a:t>15.12.2025</a:t>
             </a:fld>
             <a:endParaRPr lang="ru-RU"/>
           </a:p>
@@ -2396,7 +2517,7 @@
           <a:p>
             <a:fld id="{D2E13183-B2A1-4784-80CE-65A33D52CB0B}" type="datetime1">
               <a:rPr lang="ru-RU" smtClean="0"/>
-              <a:t>14.12.2025</a:t>
+              <a:t>15.12.2025</a:t>
             </a:fld>
             <a:endParaRPr lang="ru-RU"/>
           </a:p>
@@ -2642,7 +2763,7 @@
           <a:p>
             <a:fld id="{DEA388E9-D2C3-4436-BFEE-5F0C2E0896FE}" type="datetime1">
               <a:rPr lang="ru-RU" smtClean="0"/>
-              <a:t>14.12.2025</a:t>
+              <a:t>15.12.2025</a:t>
             </a:fld>
             <a:endParaRPr lang="ru-RU"/>
           </a:p>
@@ -2874,7 +2995,7 @@
           <a:p>
             <a:fld id="{13A15BC7-66CE-44BA-84C4-ADF5D358A8E5}" type="datetime1">
               <a:rPr lang="ru-RU" smtClean="0"/>
-              <a:t>14.12.2025</a:t>
+              <a:t>15.12.2025</a:t>
             </a:fld>
             <a:endParaRPr lang="ru-RU"/>
           </a:p>
@@ -3241,7 +3362,7 @@
           <a:p>
             <a:fld id="{8C55F641-8A7B-48BB-9924-29525D09D843}" type="datetime1">
               <a:rPr lang="ru-RU" smtClean="0"/>
-              <a:t>14.12.2025</a:t>
+              <a:t>15.12.2025</a:t>
             </a:fld>
             <a:endParaRPr lang="ru-RU"/>
           </a:p>
@@ -3359,7 +3480,7 @@
           <a:p>
             <a:fld id="{28C4CC1A-CDB1-4CBC-83A8-3EB958439194}" type="datetime1">
               <a:rPr lang="ru-RU" smtClean="0"/>
-              <a:t>14.12.2025</a:t>
+              <a:t>15.12.2025</a:t>
             </a:fld>
             <a:endParaRPr lang="ru-RU"/>
           </a:p>
@@ -3454,7 +3575,7 @@
           <a:p>
             <a:fld id="{DCA5C5F1-78C0-4305-B0EC-8CEF047F6C93}" type="datetime1">
               <a:rPr lang="ru-RU" smtClean="0"/>
-              <a:t>14.12.2025</a:t>
+              <a:t>15.12.2025</a:t>
             </a:fld>
             <a:endParaRPr lang="ru-RU"/>
           </a:p>
@@ -3731,7 +3852,7 @@
           <a:p>
             <a:fld id="{8FF670FB-17C0-4434-90C8-A4668EF13565}" type="datetime1">
               <a:rPr lang="ru-RU" smtClean="0"/>
-              <a:t>14.12.2025</a:t>
+              <a:t>15.12.2025</a:t>
             </a:fld>
             <a:endParaRPr lang="ru-RU"/>
           </a:p>
@@ -3988,7 +4109,7 @@
           <a:p>
             <a:fld id="{5FA5D1FD-3FC4-47EA-B2EB-FF46800F6009}" type="datetime1">
               <a:rPr lang="ru-RU" smtClean="0"/>
-              <a:t>14.12.2025</a:t>
+              <a:t>15.12.2025</a:t>
             </a:fld>
             <a:endParaRPr lang="ru-RU"/>
           </a:p>
@@ -4201,7 +4322,7 @@
           <a:p>
             <a:fld id="{6C109404-ED28-47FE-9DC5-C6BCEA110D1D}" type="datetime1">
               <a:rPr lang="ru-RU" smtClean="0"/>
-              <a:t>14.12.2025</a:t>
+              <a:t>15.12.2025</a:t>
             </a:fld>
             <a:endParaRPr lang="ru-RU"/>
           </a:p>
@@ -4949,6 +5070,358 @@
         <p:cNvPr id="1" name="">
           <a:extLst>
             <a:ext uri="{FF2B5EF4-FFF2-40B4-BE49-F238E27FC236}">
+              <a16:creationId xmlns:a16="http://schemas.microsoft.com/office/drawing/2014/main" id="{76CC05C1-91C9-AD23-E7A2-149B04FD7235}"/>
+            </a:ext>
+          </a:extLst>
+        </p:cNvPr>
+        <p:cNvGrpSpPr/>
+        <p:nvPr/>
+      </p:nvGrpSpPr>
+      <p:grpSpPr>
+        <a:xfrm>
+          <a:off x="0" y="0"/>
+          <a:ext cx="0" cy="0"/>
+          <a:chOff x="0" y="0"/>
+          <a:chExt cx="0" cy="0"/>
+        </a:xfrm>
+      </p:grpSpPr>
+      <p:sp>
+        <p:nvSpPr>
+          <p:cNvPr id="7" name="TextBox 6">
+            <a:extLst>
+              <a:ext uri="{FF2B5EF4-FFF2-40B4-BE49-F238E27FC236}">
+                <a16:creationId xmlns:a16="http://schemas.microsoft.com/office/drawing/2014/main" id="{44BF2046-F688-B219-20CE-093C57EB1AD6}"/>
+              </a:ext>
+            </a:extLst>
+          </p:cNvPr>
+          <p:cNvSpPr txBox="1"/>
+          <p:nvPr/>
+        </p:nvSpPr>
+        <p:spPr>
+          <a:xfrm>
+            <a:off x="2351321" y="301539"/>
+            <a:ext cx="7898675" cy="369332"/>
+          </a:xfrm>
+          <a:prstGeom prst="rect">
+            <a:avLst/>
+          </a:prstGeom>
+          <a:noFill/>
+        </p:spPr>
+        <p:txBody>
+          <a:bodyPr wrap="square" lIns="91440" tIns="45720" rIns="91440" bIns="45720" rtlCol="0" anchor="ctr" anchorCtr="1">
+            <a:spAutoFit/>
+          </a:bodyPr>
+          <a:lstStyle/>
+          <a:p>
+            <a:pPr algn="ctr"/>
+            <a:r>
+              <a:rPr lang="ru-RU" dirty="0">
+                <a:solidFill>
+                  <a:schemeClr val="bg1"/>
+                </a:solidFill>
+                <a:latin typeface="Calibri"/>
+                <a:cs typeface="Calibri"/>
+              </a:rPr>
+              <a:t>ОПИСАНИЕ РАЗРАБОТАННОГО ПРОГРАММНОГО ОБЕСПЕЧЕНИЯ</a:t>
+            </a:r>
+          </a:p>
+        </p:txBody>
+      </p:sp>
+      <p:sp>
+        <p:nvSpPr>
+          <p:cNvPr id="8" name="TextBox 7">
+            <a:extLst>
+              <a:ext uri="{FF2B5EF4-FFF2-40B4-BE49-F238E27FC236}">
+                <a16:creationId xmlns:a16="http://schemas.microsoft.com/office/drawing/2014/main" id="{765E4FE6-2ABB-84F9-64B8-3A80F671C6B4}"/>
+              </a:ext>
+            </a:extLst>
+          </p:cNvPr>
+          <p:cNvSpPr txBox="1"/>
+          <p:nvPr/>
+        </p:nvSpPr>
+        <p:spPr>
+          <a:xfrm>
+            <a:off x="11105759" y="6341149"/>
+            <a:ext cx="469107" cy="369332"/>
+          </a:xfrm>
+          <a:prstGeom prst="rect">
+            <a:avLst/>
+          </a:prstGeom>
+          <a:noFill/>
+        </p:spPr>
+        <p:txBody>
+          <a:bodyPr wrap="square" rtlCol="0">
+            <a:spAutoFit/>
+          </a:bodyPr>
+          <a:lstStyle/>
+          <a:p>
+            <a:pPr algn="ctr"/>
+            <a:fld id="{9E79BFED-6ECD-4563-B483-CEA192FFFCCF}" type="slidenum">
+              <a:rPr lang="ru-RU">
+                <a:solidFill>
+                  <a:schemeClr val="bg1"/>
+                </a:solidFill>
+                <a:latin typeface="Elektra Medium Pro" panose="02000803000000020004" pitchFamily="50" charset="-52"/>
+              </a:rPr>
+              <a:t>10</a:t>
+            </a:fld>
+            <a:endParaRPr lang="ru-RU" dirty="0">
+              <a:solidFill>
+                <a:schemeClr val="bg1"/>
+              </a:solidFill>
+              <a:latin typeface="Elektra Medium Pro" panose="02000803000000020004" pitchFamily="50" charset="-52"/>
+            </a:endParaRPr>
+          </a:p>
+        </p:txBody>
+      </p:sp>
+      <p:sp>
+        <p:nvSpPr>
+          <p:cNvPr id="11" name="Прямоугольник 10">
+            <a:extLst>
+              <a:ext uri="{FF2B5EF4-FFF2-40B4-BE49-F238E27FC236}">
+                <a16:creationId xmlns:a16="http://schemas.microsoft.com/office/drawing/2014/main" id="{A5904F1F-D87C-4641-0AD0-81272FEEC692}"/>
+              </a:ext>
+            </a:extLst>
+          </p:cNvPr>
+          <p:cNvSpPr/>
+          <p:nvPr/>
+        </p:nvSpPr>
+        <p:spPr>
+          <a:xfrm>
+            <a:off x="339048" y="6211115"/>
+            <a:ext cx="10754032" cy="630670"/>
+          </a:xfrm>
+          <a:prstGeom prst="rect">
+            <a:avLst/>
+          </a:prstGeom>
+          <a:solidFill>
+            <a:schemeClr val="bg1"/>
+          </a:solidFill>
+          <a:ln>
+            <a:noFill/>
+          </a:ln>
+        </p:spPr>
+        <p:style>
+          <a:lnRef idx="2">
+            <a:schemeClr val="accent1">
+              <a:shade val="15000"/>
+            </a:schemeClr>
+          </a:lnRef>
+          <a:fillRef idx="1">
+            <a:schemeClr val="accent1"/>
+          </a:fillRef>
+          <a:effectRef idx="0">
+            <a:schemeClr val="accent1"/>
+          </a:effectRef>
+          <a:fontRef idx="minor">
+            <a:schemeClr val="lt1"/>
+          </a:fontRef>
+        </p:style>
+        <p:txBody>
+          <a:bodyPr rtlCol="0" anchor="ctr"/>
+          <a:lstStyle/>
+          <a:p>
+            <a:pPr algn="ctr"/>
+            <a:endParaRPr lang="ru-RU" dirty="0"/>
+          </a:p>
+        </p:txBody>
+      </p:sp>
+      <p:sp>
+        <p:nvSpPr>
+          <p:cNvPr id="3" name="TextBox 2">
+            <a:extLst>
+              <a:ext uri="{FF2B5EF4-FFF2-40B4-BE49-F238E27FC236}">
+                <a16:creationId xmlns:a16="http://schemas.microsoft.com/office/drawing/2014/main" id="{0A30EB83-025F-70E5-C802-98F7C8A7E730}"/>
+              </a:ext>
+            </a:extLst>
+          </p:cNvPr>
+          <p:cNvSpPr txBox="1"/>
+          <p:nvPr/>
+        </p:nvSpPr>
+        <p:spPr>
+          <a:xfrm>
+            <a:off x="868668" y="6211115"/>
+            <a:ext cx="10336007" cy="423449"/>
+          </a:xfrm>
+          <a:prstGeom prst="rect">
+            <a:avLst/>
+          </a:prstGeom>
+          <a:noFill/>
+        </p:spPr>
+        <p:txBody>
+          <a:bodyPr wrap="square" lIns="91440" tIns="45720" rIns="91440" bIns="45720" rtlCol="0" anchor="t">
+            <a:spAutoFit/>
+          </a:bodyPr>
+          <a:lstStyle/>
+          <a:p>
+            <a:pPr algn="r">
+              <a:lnSpc>
+                <a:spcPct val="150000"/>
+              </a:lnSpc>
+            </a:pPr>
+            <a:r>
+              <a:rPr lang="ru-RU" sz="1600" b="1" dirty="0">
+                <a:solidFill>
+                  <a:srgbClr val="0093CE"/>
+                </a:solidFill>
+              </a:rPr>
+              <a:t>Объектно/шаблонно ориентированный заметочник, </a:t>
+            </a:r>
+            <a:r>
+              <a:rPr lang="en-US" sz="1600" b="1" dirty="0">
+                <a:solidFill>
+                  <a:srgbClr val="0093CE"/>
+                </a:solidFill>
+              </a:rPr>
+              <a:t>Negative Technologies</a:t>
+            </a:r>
+            <a:endParaRPr lang="ru-RU" sz="1600" b="1" dirty="0">
+              <a:solidFill>
+                <a:srgbClr val="0093CE"/>
+              </a:solidFill>
+            </a:endParaRPr>
+          </a:p>
+        </p:txBody>
+      </p:sp>
+      <p:pic>
+        <p:nvPicPr>
+          <p:cNvPr id="2" name="Рисунок 1">
+            <a:extLst>
+              <a:ext uri="{FF2B5EF4-FFF2-40B4-BE49-F238E27FC236}">
+                <a16:creationId xmlns:a16="http://schemas.microsoft.com/office/drawing/2014/main" id="{5BDB1D00-8852-25FD-66E9-09E337B7C372}"/>
+              </a:ext>
+            </a:extLst>
+          </p:cNvPr>
+          <p:cNvPicPr>
+            <a:picLocks noChangeAspect="1"/>
+          </p:cNvPicPr>
+          <p:nvPr/>
+        </p:nvPicPr>
+        <p:blipFill rotWithShape="1">
+          <a:blip r:embed="rId4" cstate="print">
+            <a:extLst>
+              <a:ext uri="{28A0092B-C50C-407E-A947-70E740481C1C}">
+                <a14:useLocalDpi xmlns:a14="http://schemas.microsoft.com/office/drawing/2010/main" val="0"/>
+              </a:ext>
+            </a:extLst>
+          </a:blip>
+          <a:srcRect l="1567" t="2845" r="1287" b="1731"/>
+          <a:stretch>
+            <a:fillRect/>
+          </a:stretch>
+        </p:blipFill>
+        <p:spPr bwMode="auto">
+          <a:xfrm>
+            <a:off x="2239318" y="1656113"/>
+            <a:ext cx="7713363" cy="4555002"/>
+          </a:xfrm>
+          <a:prstGeom prst="rect">
+            <a:avLst/>
+          </a:prstGeom>
+          <a:noFill/>
+          <a:ln>
+            <a:noFill/>
+          </a:ln>
+          <a:extLst>
+            <a:ext uri="{53640926-AAD7-44D8-BBD7-CCE9431645EC}">
+              <a14:shadowObscured xmlns:a14="http://schemas.microsoft.com/office/drawing/2010/main"/>
+            </a:ext>
+          </a:extLst>
+        </p:spPr>
+      </p:pic>
+      <p:sp>
+        <p:nvSpPr>
+          <p:cNvPr id="9" name="TextBox 8">
+            <a:extLst>
+              <a:ext uri="{FF2B5EF4-FFF2-40B4-BE49-F238E27FC236}">
+                <a16:creationId xmlns:a16="http://schemas.microsoft.com/office/drawing/2014/main" id="{C3058282-B1B2-AF1C-3D4B-59F2B5F507E5}"/>
+              </a:ext>
+            </a:extLst>
+          </p:cNvPr>
+          <p:cNvSpPr txBox="1"/>
+          <p:nvPr/>
+        </p:nvSpPr>
+        <p:spPr>
+          <a:xfrm>
+            <a:off x="678093" y="1157845"/>
+            <a:ext cx="10202240" cy="400110"/>
+          </a:xfrm>
+          <a:prstGeom prst="rect">
+            <a:avLst/>
+          </a:prstGeom>
+          <a:noFill/>
+        </p:spPr>
+        <p:txBody>
+          <a:bodyPr wrap="square">
+            <a:spAutoFit/>
+          </a:bodyPr>
+          <a:lstStyle/>
+          <a:p>
+            <a:r>
+              <a:rPr lang="ru-RU" sz="2000" spc="-5" dirty="0">
+                <a:ea typeface="SimSun" panose="02010600030101010101" pitchFamily="2" charset="-122"/>
+              </a:rPr>
+              <a:t>Контейнерный уровень </a:t>
+            </a:r>
+            <a:r>
+              <a:rPr lang="en-US" sz="2000" spc="-5" dirty="0">
+                <a:ea typeface="SimSun" panose="02010600030101010101" pitchFamily="2" charset="-122"/>
+              </a:rPr>
+              <a:t>C4-</a:t>
+            </a:r>
+            <a:r>
+              <a:rPr lang="ru-RU" sz="2000" spc="-5" dirty="0">
+                <a:ea typeface="SimSun" panose="02010600030101010101" pitchFamily="2" charset="-122"/>
+              </a:rPr>
+              <a:t>диаграммы</a:t>
+            </a:r>
+            <a:r>
+              <a:rPr lang="en-US" sz="2000" spc="-5" dirty="0">
+                <a:ea typeface="SimSun" panose="02010600030101010101" pitchFamily="2" charset="-122"/>
+              </a:rPr>
+              <a:t>:</a:t>
+            </a:r>
+            <a:endParaRPr lang="ru-RU" sz="2000" spc="-5" dirty="0">
+              <a:ea typeface="SimSun" panose="02010600030101010101" pitchFamily="2" charset="-122"/>
+            </a:endParaRPr>
+          </a:p>
+        </p:txBody>
+      </p:sp>
+    </p:spTree>
+    <p:extLst>
+      <p:ext uri="{BB962C8B-B14F-4D97-AF65-F5344CB8AC3E}">
+        <p14:creationId xmlns:p14="http://schemas.microsoft.com/office/powerpoint/2010/main" val="1075364222"/>
+      </p:ext>
+    </p:extLst>
+  </p:cSld>
+  <p:clrMapOvr>
+    <a:masterClrMapping/>
+  </p:clrMapOvr>
+</p:sld>
+</file>
+
+<file path=ppt/slides/slide11.xml><?xml version="1.0" encoding="utf-8"?>
+<p:sld xmlns:a="http://schemas.openxmlformats.org/drawingml/2006/main" xmlns:r="http://schemas.openxmlformats.org/officeDocument/2006/relationships" xmlns:p="http://schemas.openxmlformats.org/presentationml/2006/main">
+  <p:cSld>
+    <p:bg>
+      <p:bgPr>
+        <a:blipFill dpi="0" rotWithShape="1">
+          <a:blip r:embed="rId3">
+            <a:lum/>
+          </a:blip>
+          <a:srcRect/>
+          <a:stretch>
+            <a:fillRect/>
+          </a:stretch>
+        </a:blipFill>
+        <a:effectLst/>
+      </p:bgPr>
+    </p:bg>
+    <p:spTree>
+      <p:nvGrpSpPr>
+        <p:cNvPr id="1" name="">
+          <a:extLst>
+            <a:ext uri="{FF2B5EF4-FFF2-40B4-BE49-F238E27FC236}">
               <a16:creationId xmlns:a16="http://schemas.microsoft.com/office/drawing/2014/main" id="{B7F830C5-CA2F-C192-AA2B-69D401113F10}"/>
             </a:ext>
           </a:extLst>
@@ -5042,7 +5515,7 @@
                 </a:solidFill>
                 <a:latin typeface="Elektra Medium Pro" panose="02000803000000020004" pitchFamily="50" charset="-52"/>
               </a:rPr>
-              <a:t>10</a:t>
+              <a:t>11</a:t>
             </a:fld>
             <a:endParaRPr lang="ru-RU" dirty="0">
               <a:solidFill>
@@ -5236,7 +5709,7 @@
 </p:sld>
 </file>
 
-<file path=ppt/slides/slide11.xml><?xml version="1.0" encoding="utf-8"?>
+<file path=ppt/slides/slide12.xml><?xml version="1.0" encoding="utf-8"?>
 <p:sld xmlns:a="http://schemas.openxmlformats.org/drawingml/2006/main" xmlns:r="http://schemas.openxmlformats.org/officeDocument/2006/relationships" xmlns:p="http://schemas.openxmlformats.org/presentationml/2006/main">
   <p:cSld>
     <p:bg>
@@ -5309,7 +5782,7 @@
                 </a:solidFill>
                 <a:latin typeface="Elektra Medium Pro" panose="02000803000000020004" pitchFamily="50" charset="-52"/>
               </a:rPr>
-              <a:t>11</a:t>
+              <a:t>12</a:t>
             </a:fld>
             <a:endParaRPr lang="ru-RU" dirty="0">
               <a:solidFill>
@@ -5619,7 +6092,7 @@
 </p:sld>
 </file>
 
-<file path=ppt/slides/slide12.xml><?xml version="1.0" encoding="utf-8"?>
+<file path=ppt/slides/slide13.xml><?xml version="1.0" encoding="utf-8"?>
 <p:sld xmlns:a="http://schemas.openxmlformats.org/drawingml/2006/main" xmlns:r="http://schemas.openxmlformats.org/officeDocument/2006/relationships" xmlns:p="http://schemas.openxmlformats.org/presentationml/2006/main">
   <p:cSld>
     <p:bg>
@@ -5957,7 +6430,7 @@
 </p:sld>
 </file>
 
-<file path=ppt/slides/slide13.xml><?xml version="1.0" encoding="utf-8"?>
+<file path=ppt/slides/slide14.xml><?xml version="1.0" encoding="utf-8"?>
 <p:sld xmlns:a="http://schemas.openxmlformats.org/drawingml/2006/main" xmlns:r="http://schemas.openxmlformats.org/officeDocument/2006/relationships" xmlns:p="http://schemas.openxmlformats.org/presentationml/2006/main">
   <p:cSld>
     <p:spTree>
@@ -6299,7 +6772,7 @@
 </p:sld>
 </file>
 
-<file path=ppt/slides/slide14.xml><?xml version="1.0" encoding="utf-8"?>
+<file path=ppt/slides/slide15.xml><?xml version="1.0" encoding="utf-8"?>
 <p:sld xmlns:a="http://schemas.openxmlformats.org/drawingml/2006/main" xmlns:r="http://schemas.openxmlformats.org/officeDocument/2006/relationships" xmlns:p="http://schemas.openxmlformats.org/presentationml/2006/main">
   <p:cSld>
     <p:bg>
@@ -6414,7 +6887,7 @@
                 </a:solidFill>
                 <a:latin typeface="Elektra Medium Pro" panose="02000803000000020004" pitchFamily="50" charset="-52"/>
               </a:rPr>
-              <a:t>14</a:t>
+              <a:t>15</a:t>
             </a:fld>
             <a:endParaRPr lang="ru-RU" dirty="0">
               <a:solidFill>
@@ -10308,10 +10781,10 @@
       </p:sp>
       <p:pic>
         <p:nvPicPr>
-          <p:cNvPr id="4" name="Рисунок 3">
+          <p:cNvPr id="13" name="Рисунок 12">
             <a:extLst>
               <a:ext uri="{FF2B5EF4-FFF2-40B4-BE49-F238E27FC236}">
-                <a16:creationId xmlns:a16="http://schemas.microsoft.com/office/drawing/2014/main" id="{1AEA7981-642B-F219-96AF-EC036001639D}"/>
+                <a16:creationId xmlns:a16="http://schemas.microsoft.com/office/drawing/2014/main" id="{07B784B9-89C7-B71A-0B25-B05F6A8C4EFF}"/>
               </a:ext>
             </a:extLst>
           </p:cNvPr>
@@ -10320,7 +10793,7 @@
           </p:cNvPicPr>
           <p:nvPr/>
         </p:nvPicPr>
-        <p:blipFill rotWithShape="1">
+        <p:blipFill>
           <a:blip r:embed="rId4" cstate="print">
             <a:extLst>
               <a:ext uri="{28A0092B-C50C-407E-A947-70E740481C1C}">
@@ -10328,36 +10801,26 @@
               </a:ext>
             </a:extLst>
           </a:blip>
-          <a:srcRect l="1948" t="3532" r="2480" b="2191"/>
           <a:stretch>
             <a:fillRect/>
           </a:stretch>
         </p:blipFill>
-        <p:spPr bwMode="auto">
-          <a:xfrm>
-            <a:off x="2951220" y="1659723"/>
-            <a:ext cx="6289560" cy="4449623"/>
+        <p:spPr>
+          <a:xfrm>
+            <a:off x="7736440" y="1442721"/>
+            <a:ext cx="3996543" cy="3996543"/>
           </a:xfrm>
           <a:prstGeom prst="rect">
             <a:avLst/>
           </a:prstGeom>
-          <a:noFill/>
-          <a:ln>
-            <a:noFill/>
-          </a:ln>
-          <a:extLst>
-            <a:ext uri="{53640926-AAD7-44D8-BBD7-CCE9431645EC}">
-              <a14:shadowObscured xmlns:a14="http://schemas.microsoft.com/office/drawing/2010/main"/>
-            </a:ext>
-          </a:extLst>
         </p:spPr>
       </p:pic>
       <p:sp>
         <p:nvSpPr>
-          <p:cNvPr id="5" name="TextBox 4">
+          <p:cNvPr id="16" name="TextBox 15">
             <a:extLst>
               <a:ext uri="{FF2B5EF4-FFF2-40B4-BE49-F238E27FC236}">
-                <a16:creationId xmlns:a16="http://schemas.microsoft.com/office/drawing/2014/main" id="{156444F0-8580-A883-71F9-83730DBE62E3}"/>
+                <a16:creationId xmlns:a16="http://schemas.microsoft.com/office/drawing/2014/main" id="{0D12B662-E839-5DBA-0AFB-AF8638F6701A}"/>
               </a:ext>
             </a:extLst>
           </p:cNvPr>
@@ -10366,8 +10829,8 @@
         </p:nvSpPr>
         <p:spPr>
           <a:xfrm>
-            <a:off x="678093" y="1157845"/>
-            <a:ext cx="10202240" cy="400110"/>
+            <a:off x="678094" y="1052974"/>
+            <a:ext cx="7058346" cy="4661276"/>
           </a:xfrm>
           <a:prstGeom prst="rect">
             <a:avLst/>
@@ -10375,38 +10838,184 @@
           <a:noFill/>
         </p:spPr>
         <p:txBody>
-          <a:bodyPr wrap="square">
+          <a:bodyPr wrap="square" lIns="91440" tIns="45720" rIns="91440" bIns="45720" rtlCol="0" anchor="t">
             <a:spAutoFit/>
           </a:bodyPr>
           <a:lstStyle/>
           <a:p>
+            <a:pPr>
+              <a:lnSpc>
+                <a:spcPct val="150000"/>
+              </a:lnSpc>
+            </a:pPr>
             <a:r>
               <a:rPr lang="ru-RU" sz="2000" spc="-5" dirty="0">
                 <a:ea typeface="SimSun" panose="02010600030101010101" pitchFamily="2" charset="-122"/>
               </a:rPr>
-              <a:t>Контекстный уровень </a:t>
+              <a:t>Характеристики разработанного приложения </a:t>
+            </a:r>
+            <a:r>
+              <a:rPr lang="ru-RU" sz="2000" spc="-5" dirty="0">
+                <a:solidFill>
+                  <a:srgbClr val="0093CE"/>
+                </a:solidFill>
+                <a:ea typeface="SimSun" panose="02010600030101010101" pitchFamily="2" charset="-122"/>
+              </a:rPr>
+              <a:t>Tonpad</a:t>
+            </a:r>
+            <a:r>
+              <a:rPr lang="ru-RU" sz="2000" spc="-5" dirty="0">
+                <a:ea typeface="SimSun" panose="02010600030101010101" pitchFamily="2" charset="-122"/>
+              </a:rPr>
+              <a:t>:</a:t>
+            </a:r>
+          </a:p>
+          <a:p>
+            <a:pPr marL="457200" indent="-457200">
+              <a:lnSpc>
+                <a:spcPct val="150000"/>
+              </a:lnSpc>
+              <a:buFont typeface="+mj-lt"/>
+              <a:buAutoNum type="arabicPeriod"/>
+            </a:pPr>
+            <a:r>
+              <a:rPr lang="ru-RU" sz="2000" spc="-5" dirty="0">
+                <a:ea typeface="SimSun" panose="02010600030101010101" pitchFamily="2" charset="-122"/>
+              </a:rPr>
+              <a:t>Кроссплатформенность (тестировалось на Linux, Windows)</a:t>
+            </a:r>
+          </a:p>
+          <a:p>
+            <a:pPr marL="457200" indent="-457200">
+              <a:lnSpc>
+                <a:spcPct val="150000"/>
+              </a:lnSpc>
+              <a:buFont typeface="+mj-lt"/>
+              <a:buAutoNum type="arabicPeriod"/>
+            </a:pPr>
+            <a:r>
+              <a:rPr lang="ru-RU" sz="2000" spc="-5" dirty="0">
+                <a:ea typeface="SimSun" panose="02010600030101010101" pitchFamily="2" charset="-122"/>
+              </a:rPr>
+              <a:t>Открытое хранение данных</a:t>
+            </a:r>
+            <a:endParaRPr lang="en-US" sz="2000" spc="-5" dirty="0">
+              <a:ea typeface="SimSun" panose="02010600030101010101" pitchFamily="2" charset="-122"/>
+            </a:endParaRPr>
+          </a:p>
+          <a:p>
+            <a:pPr marL="457200" indent="-457200">
+              <a:lnSpc>
+                <a:spcPct val="150000"/>
+              </a:lnSpc>
+              <a:buFont typeface="+mj-lt"/>
+              <a:buAutoNum type="arabicPeriod"/>
+            </a:pPr>
+            <a:r>
+              <a:rPr lang="ru-RU" sz="2000" spc="-5" dirty="0">
+                <a:ea typeface="SimSun" panose="02010600030101010101" pitchFamily="2" charset="-122"/>
+              </a:rPr>
+              <a:t>Минималистичный пользовательский интерфейс</a:t>
+            </a:r>
+          </a:p>
+          <a:p>
+            <a:pPr marL="457200" indent="-457200">
+              <a:lnSpc>
+                <a:spcPct val="150000"/>
+              </a:lnSpc>
+              <a:buFont typeface="+mj-lt"/>
+              <a:buAutoNum type="arabicPeriod"/>
+            </a:pPr>
+            <a:r>
+              <a:rPr lang="ru-RU" sz="2000" spc="-5" dirty="0">
+                <a:ea typeface="SimSun" panose="02010600030101010101" pitchFamily="2" charset="-122"/>
+              </a:rPr>
+              <a:t>Поддержка базовых операций с файлами</a:t>
+            </a:r>
+          </a:p>
+          <a:p>
+            <a:pPr marL="457200" indent="-457200">
+              <a:lnSpc>
+                <a:spcPct val="150000"/>
+              </a:lnSpc>
+              <a:buFont typeface="+mj-lt"/>
+              <a:buAutoNum type="arabicPeriod"/>
+            </a:pPr>
+            <a:r>
+              <a:rPr lang="ru-RU" sz="2000" spc="-5" dirty="0">
+                <a:ea typeface="SimSun" panose="02010600030101010101" pitchFamily="2" charset="-122"/>
+              </a:rPr>
+              <a:t>Поддержка гибкого форматирования заметки</a:t>
+            </a:r>
+          </a:p>
+          <a:p>
+            <a:pPr marL="457200" indent="-457200">
+              <a:lnSpc>
+                <a:spcPct val="150000"/>
+              </a:lnSpc>
+              <a:buFont typeface="+mj-lt"/>
+              <a:buAutoNum type="arabicPeriod"/>
+            </a:pPr>
+            <a:r>
+              <a:rPr lang="ru-RU" sz="2000" spc="-5" dirty="0">
+                <a:ea typeface="SimSun" panose="02010600030101010101" pitchFamily="2" charset="-122"/>
+              </a:rPr>
+              <a:t>Полная поддержка работы со сниппетами</a:t>
+            </a:r>
+          </a:p>
+          <a:p>
+            <a:pPr marL="457200" indent="-457200">
+              <a:lnSpc>
+                <a:spcPct val="150000"/>
+              </a:lnSpc>
+              <a:buFont typeface="+mj-lt"/>
+              <a:buAutoNum type="arabicPeriod"/>
+            </a:pPr>
+            <a:r>
+              <a:rPr lang="ru-RU" sz="2000" spc="-5" dirty="0">
+                <a:ea typeface="SimSun" panose="02010600030101010101" pitchFamily="2" charset="-122"/>
+              </a:rPr>
+              <a:t>Частичная поддержка работы с шаблонами типа </a:t>
             </a:r>
             <a:r>
               <a:rPr lang="en-US" sz="2000" spc="-5" dirty="0">
                 <a:ea typeface="SimSun" panose="02010600030101010101" pitchFamily="2" charset="-122"/>
               </a:rPr>
-              <a:t>C4-</a:t>
-            </a:r>
-            <a:r>
-              <a:rPr lang="ru-RU" sz="2000" spc="-5" dirty="0">
-                <a:ea typeface="SimSun" panose="02010600030101010101" pitchFamily="2" charset="-122"/>
-              </a:rPr>
-              <a:t>диаграммы</a:t>
-            </a:r>
-            <a:r>
-              <a:rPr lang="en-US" sz="2000" spc="-5" dirty="0">
-                <a:ea typeface="SimSun" panose="02010600030101010101" pitchFamily="2" charset="-122"/>
-              </a:rPr>
-              <a:t>:</a:t>
+              <a:t>key-value</a:t>
             </a:r>
             <a:endParaRPr lang="ru-RU" sz="2000" spc="-5" dirty="0">
               <a:ea typeface="SimSun" panose="02010600030101010101" pitchFamily="2" charset="-122"/>
             </a:endParaRPr>
+          </a:p>
+          <a:p>
+            <a:pPr marL="457200" indent="-457200">
+              <a:lnSpc>
+                <a:spcPct val="150000"/>
+              </a:lnSpc>
+              <a:buFont typeface="+mj-lt"/>
+              <a:buAutoNum type="arabicPeriod"/>
+            </a:pPr>
+            <a:r>
+              <a:rPr lang="ru-RU" sz="2000" spc="-5" dirty="0">
+                <a:ea typeface="SimSun" panose="02010600030101010101" pitchFamily="2" charset="-122"/>
+              </a:rPr>
+              <a:t>Гибкий поиск по содержимому заметок</a:t>
+            </a:r>
+          </a:p>
+          <a:p>
+            <a:pPr marL="457200" indent="-457200">
+              <a:lnSpc>
+                <a:spcPct val="150000"/>
+              </a:lnSpc>
+              <a:buFont typeface="+mj-lt"/>
+              <a:buAutoNum type="arabicPeriod"/>
+            </a:pPr>
+            <a:r>
+              <a:rPr lang="ru-RU" sz="2000" spc="-5" dirty="0">
+                <a:ea typeface="SimSun" panose="02010600030101010101" pitchFamily="2" charset="-122"/>
+              </a:rPr>
+              <a:t>Шифрование заметок с защитой целостности</a:t>
+            </a:r>
           </a:p>
         </p:txBody>
       </p:sp>
@@ -10445,7 +11054,7 @@
         <p:cNvPr id="1" name="">
           <a:extLst>
             <a:ext uri="{FF2B5EF4-FFF2-40B4-BE49-F238E27FC236}">
-              <a16:creationId xmlns:a16="http://schemas.microsoft.com/office/drawing/2014/main" id="{76CC05C1-91C9-AD23-E7A2-149B04FD7235}"/>
+              <a16:creationId xmlns:a16="http://schemas.microsoft.com/office/drawing/2014/main" id="{D91B0FCC-8562-0003-1D00-CDC1CAAC774C}"/>
             </a:ext>
           </a:extLst>
         </p:cNvPr>
@@ -10465,7 +11074,7 @@
           <p:cNvPr id="7" name="TextBox 6">
             <a:extLst>
               <a:ext uri="{FF2B5EF4-FFF2-40B4-BE49-F238E27FC236}">
-                <a16:creationId xmlns:a16="http://schemas.microsoft.com/office/drawing/2014/main" id="{44BF2046-F688-B219-20CE-093C57EB1AD6}"/>
+                <a16:creationId xmlns:a16="http://schemas.microsoft.com/office/drawing/2014/main" id="{3BFDDCE3-BE0B-9C17-40A8-BD5AD3862ABA}"/>
               </a:ext>
             </a:extLst>
           </p:cNvPr>
@@ -10507,7 +11116,7 @@
           <p:cNvPr id="8" name="TextBox 7">
             <a:extLst>
               <a:ext uri="{FF2B5EF4-FFF2-40B4-BE49-F238E27FC236}">
-                <a16:creationId xmlns:a16="http://schemas.microsoft.com/office/drawing/2014/main" id="{765E4FE6-2ABB-84F9-64B8-3A80F671C6B4}"/>
+                <a16:creationId xmlns:a16="http://schemas.microsoft.com/office/drawing/2014/main" id="{9428EBB9-7E7E-0C22-1C8C-8DECF0624EC9}"/>
               </a:ext>
             </a:extLst>
           </p:cNvPr>
@@ -10554,7 +11163,7 @@
           <p:cNvPr id="11" name="Прямоугольник 10">
             <a:extLst>
               <a:ext uri="{FF2B5EF4-FFF2-40B4-BE49-F238E27FC236}">
-                <a16:creationId xmlns:a16="http://schemas.microsoft.com/office/drawing/2014/main" id="{A5904F1F-D87C-4641-0AD0-81272FEEC692}"/>
+                <a16:creationId xmlns:a16="http://schemas.microsoft.com/office/drawing/2014/main" id="{50B41940-5D76-C979-3252-AFF77994818B}"/>
               </a:ext>
             </a:extLst>
           </p:cNvPr>
@@ -10606,7 +11215,7 @@
           <p:cNvPr id="3" name="TextBox 2">
             <a:extLst>
               <a:ext uri="{FF2B5EF4-FFF2-40B4-BE49-F238E27FC236}">
-                <a16:creationId xmlns:a16="http://schemas.microsoft.com/office/drawing/2014/main" id="{0A30EB83-025F-70E5-C802-98F7C8A7E730}"/>
+                <a16:creationId xmlns:a16="http://schemas.microsoft.com/office/drawing/2014/main" id="{6F49D2ED-D98B-0D6A-77C9-86C993EBDD84}"/>
               </a:ext>
             </a:extLst>
           </p:cNvPr>
@@ -10660,10 +11269,10 @@
       </p:sp>
       <p:pic>
         <p:nvPicPr>
-          <p:cNvPr id="2" name="Рисунок 1">
+          <p:cNvPr id="4" name="Рисунок 3">
             <a:extLst>
               <a:ext uri="{FF2B5EF4-FFF2-40B4-BE49-F238E27FC236}">
-                <a16:creationId xmlns:a16="http://schemas.microsoft.com/office/drawing/2014/main" id="{5BDB1D00-8852-25FD-66E9-09E337B7C372}"/>
+                <a16:creationId xmlns:a16="http://schemas.microsoft.com/office/drawing/2014/main" id="{681B6872-99C1-1216-FE3C-3E00E8DAFDB0}"/>
               </a:ext>
             </a:extLst>
           </p:cNvPr>
@@ -10680,15 +11289,15 @@
               </a:ext>
             </a:extLst>
           </a:blip>
-          <a:srcRect l="1567" t="2845" r="1287" b="1731"/>
+          <a:srcRect l="1948" t="3532" r="2480" b="2191"/>
           <a:stretch>
             <a:fillRect/>
           </a:stretch>
         </p:blipFill>
         <p:spPr bwMode="auto">
           <a:xfrm>
-            <a:off x="2239318" y="1656113"/>
-            <a:ext cx="7713363" cy="4555002"/>
+            <a:off x="2951220" y="1659723"/>
+            <a:ext cx="6289560" cy="4449623"/>
           </a:xfrm>
           <a:prstGeom prst="rect">
             <a:avLst/>
@@ -10706,10 +11315,10 @@
       </p:pic>
       <p:sp>
         <p:nvSpPr>
-          <p:cNvPr id="9" name="TextBox 8">
+          <p:cNvPr id="5" name="TextBox 4">
             <a:extLst>
               <a:ext uri="{FF2B5EF4-FFF2-40B4-BE49-F238E27FC236}">
-                <a16:creationId xmlns:a16="http://schemas.microsoft.com/office/drawing/2014/main" id="{C3058282-B1B2-AF1C-3D4B-59F2B5F507E5}"/>
+                <a16:creationId xmlns:a16="http://schemas.microsoft.com/office/drawing/2014/main" id="{C4838785-70B2-E556-4DF1-A1984B643C43}"/>
               </a:ext>
             </a:extLst>
           </p:cNvPr>
@@ -10736,7 +11345,7 @@
               <a:rPr lang="ru-RU" sz="2000" spc="-5" dirty="0">
                 <a:ea typeface="SimSun" panose="02010600030101010101" pitchFamily="2" charset="-122"/>
               </a:rPr>
-              <a:t>Контейнерный уровень </a:t>
+              <a:t>Контекстный уровень </a:t>
             </a:r>
             <a:r>
               <a:rPr lang="en-US" sz="2000" spc="-5" dirty="0">
@@ -10765,7 +11374,7 @@
     </p:spTree>
     <p:extLst>
       <p:ext uri="{BB962C8B-B14F-4D97-AF65-F5344CB8AC3E}">
-        <p14:creationId xmlns:p14="http://schemas.microsoft.com/office/powerpoint/2010/main" val="1075364222"/>
+        <p14:creationId xmlns:p14="http://schemas.microsoft.com/office/powerpoint/2010/main" val="3336619843"/>
       </p:ext>
     </p:extLst>
   </p:cSld>

--- a/Приложение Tonpad.pptx
+++ b/Приложение Tonpad.pptx
@@ -4849,8 +4849,8 @@
         </p:nvSpPr>
         <p:spPr>
           <a:xfrm>
-            <a:off x="6599501" y="4682300"/>
-            <a:ext cx="3846286" cy="954107"/>
+            <a:off x="6599501" y="4574578"/>
+            <a:ext cx="3846286" cy="1169551"/>
           </a:xfrm>
           <a:prstGeom prst="rect">
             <a:avLst/>
@@ -4913,7 +4913,39 @@
                 </a:solidFill>
                 <a:latin typeface="Elektra Text Pro" panose="02000503030000020004" pitchFamily="50" charset="-52"/>
               </a:rPr>
-              <a:t>Участники: Барышников В.С., Елагин Д.Е., Кадников Е.В., Кадников Н.В., Томашайтис П.А. </a:t>
+              <a:t>Участники: Барышников В.С., Елагин Д.Е., Кадников Е.В., Кадников Н.В., Томашайтис П.А.</a:t>
+            </a:r>
+          </a:p>
+          <a:p>
+            <a:pPr algn="ctr">
+              <a:defRPr/>
+            </a:pPr>
+            <a:r>
+              <a:rPr lang="ru-RU" sz="1400" dirty="0">
+                <a:solidFill>
+                  <a:prstClr val="white"/>
+                </a:solidFill>
+                <a:latin typeface="Elektra Text Pro" panose="02000503030000020004" pitchFamily="50" charset="-52"/>
+              </a:rPr>
+              <a:t>Заказчик</a:t>
+            </a:r>
+            <a:r>
+              <a:rPr lang="en-US" sz="1400" dirty="0">
+                <a:solidFill>
+                  <a:prstClr val="white"/>
+                </a:solidFill>
+                <a:latin typeface="Elektra Text Pro" panose="02000503030000020004" pitchFamily="50" charset="-52"/>
+              </a:rPr>
+              <a:t>: </a:t>
+            </a:r>
+            <a:r>
+              <a:rPr lang="ru-RU" sz="1400" dirty="0">
+                <a:solidFill>
+                  <a:prstClr val="white"/>
+                </a:solidFill>
+                <a:latin typeface="Elektra Text Pro" panose="02000503030000020004" pitchFamily="50" charset="-52"/>
+              </a:rPr>
+              <a:t>Луковкин П. </a:t>
             </a:r>
           </a:p>
           <a:p>
@@ -4935,6 +4967,15 @@
               <a:defRPr/>
             </a:pPr>
             <a:r>
+              <a:rPr lang="ru-RU" sz="1400" dirty="0">
+                <a:solidFill>
+                  <a:prstClr val="white"/>
+                </a:solidFill>
+                <a:latin typeface="Elektra Text Pro" panose="02000503030000020004" pitchFamily="50" charset="-52"/>
+              </a:rPr>
+              <a:t>Технический</a:t>
+            </a:r>
+            <a:r>
               <a:rPr kumimoji="0" lang="ru-RU" sz="1400" b="0" i="0" u="none" strike="noStrike" kern="1200" cap="none" spc="0" normalizeH="0" baseline="0" noProof="0" dirty="0">
                 <a:ln>
                   <a:noFill/>
@@ -4949,7 +4990,16 @@
                 <a:ea typeface="+mn-ea"/>
                 <a:cs typeface="+mn-cs"/>
               </a:rPr>
-              <a:t>Научный руководитель</a:t>
+              <a:t> </a:t>
+            </a:r>
+            <a:r>
+              <a:rPr lang="ru-RU" sz="1400" dirty="0">
+                <a:solidFill>
+                  <a:prstClr val="white"/>
+                </a:solidFill>
+                <a:latin typeface="Elektra Text Pro" panose="02000503030000020004" pitchFamily="50" charset="-52"/>
+              </a:rPr>
+              <a:t>консультант</a:t>
             </a:r>
             <a:r>
               <a:rPr kumimoji="0" lang="en-US" sz="1400" b="0" i="0" u="none" strike="noStrike" kern="1200" cap="none" spc="0" normalizeH="0" baseline="0" noProof="0" dirty="0">
@@ -5959,7 +6009,7 @@
         <p:spPr>
           <a:xfrm>
             <a:off x="868668" y="1472549"/>
-            <a:ext cx="9687572" cy="3276282"/>
+            <a:ext cx="9687572" cy="3737946"/>
           </a:xfrm>
           <a:prstGeom prst="rect">
             <a:avLst/>
@@ -6000,6 +6050,21 @@
                 <a:ea typeface="SimSun" panose="02010600030101010101" pitchFamily="2" charset="-122"/>
               </a:rPr>
               <a:t>Разработан качественный и удобный интерфейс.</a:t>
+            </a:r>
+          </a:p>
+          <a:p>
+            <a:pPr marL="457200" indent="-457200">
+              <a:lnSpc>
+                <a:spcPct val="150000"/>
+              </a:lnSpc>
+              <a:buFont typeface="+mj-lt"/>
+              <a:buAutoNum type="arabicPeriod"/>
+            </a:pPr>
+            <a:r>
+              <a:rPr lang="ru-RU" sz="2000" spc="-5" dirty="0">
+                <a:ea typeface="SimSun" panose="02010600030101010101" pitchFamily="2" charset="-122"/>
+              </a:rPr>
+              <a:t>Есть возможность гибкой стилизации содержимого заметок.</a:t>
             </a:r>
           </a:p>
           <a:p>
@@ -7039,13 +7104,13 @@
               <a:rPr lang="ru-RU" sz="2000" spc="-5" dirty="0">
                 <a:ea typeface="SimSun" panose="02010600030101010101" pitchFamily="2" charset="-122"/>
               </a:rPr>
-              <a:t>Структура базы данных в разработанном приложении-заметочнике</a:t>
+              <a:t>Структура базы данных в приложении </a:t>
             </a:r>
             <a:r>
               <a:rPr lang="en-US" sz="2000" spc="-5" dirty="0">
                 <a:ea typeface="SimSun" panose="02010600030101010101" pitchFamily="2" charset="-122"/>
               </a:rPr>
-              <a:t>:</a:t>
+              <a:t>Tonpad:</a:t>
             </a:r>
             <a:endParaRPr lang="ru-RU" sz="2000" spc="-5" dirty="0">
               <a:ea typeface="SimSun" panose="02010600030101010101" pitchFamily="2" charset="-122"/>

--- a/Приложение Tonpad.pptx
+++ b/Приложение Tonpad.pptx
@@ -21,7 +21,7 @@
     <p:sldId id="287" r:id="rId12"/>
     <p:sldId id="293" r:id="rId13"/>
     <p:sldId id="267" r:id="rId14"/>
-    <p:sldId id="297" r:id="rId15"/>
+    <p:sldId id="299" r:id="rId15"/>
     <p:sldId id="295" r:id="rId16"/>
   </p:sldIdLst>
   <p:sldSz cx="12192000" cy="6858000"/>
@@ -6498,12 +6498,20 @@
 <file path=ppt/slides/slide14.xml><?xml version="1.0" encoding="utf-8"?>
 <p:sld xmlns:a="http://schemas.openxmlformats.org/drawingml/2006/main" xmlns:r="http://schemas.openxmlformats.org/officeDocument/2006/relationships" xmlns:p="http://schemas.openxmlformats.org/presentationml/2006/main">
   <p:cSld>
+    <p:bg>
+      <p:bgPr>
+        <a:solidFill>
+          <a:schemeClr val="bg1"/>
+        </a:solidFill>
+        <a:effectLst/>
+      </p:bgPr>
+    </p:bg>
     <p:spTree>
       <p:nvGrpSpPr>
         <p:cNvPr id="1" name="">
           <a:extLst>
             <a:ext uri="{FF2B5EF4-FFF2-40B4-BE49-F238E27FC236}">
-              <a16:creationId xmlns:a16="http://schemas.microsoft.com/office/drawing/2014/main" id="{9A9E8DF2-76B2-2CC4-1E4C-B28AA14E071E}"/>
+              <a16:creationId xmlns:a16="http://schemas.microsoft.com/office/drawing/2014/main" id="{524A2389-E292-2BD8-FA3E-E9F0F38353DB}"/>
             </a:ext>
           </a:extLst>
         </p:cNvPr>
@@ -6523,7 +6531,7 @@
           <p:cNvPr id="3" name="Рисунок 2">
             <a:extLst>
               <a:ext uri="{FF2B5EF4-FFF2-40B4-BE49-F238E27FC236}">
-                <a16:creationId xmlns:a16="http://schemas.microsoft.com/office/drawing/2014/main" id="{5A6D74B4-A655-8E2E-DF7E-C605BC3FFF16}"/>
+                <a16:creationId xmlns:a16="http://schemas.microsoft.com/office/drawing/2014/main" id="{DEB13CF8-90AA-7A78-FEA8-F808EE12F223}"/>
               </a:ext>
             </a:extLst>
           </p:cNvPr>
@@ -6559,7 +6567,7 @@
           <p:cNvPr id="7" name="TextBox 6">
             <a:extLst>
               <a:ext uri="{FF2B5EF4-FFF2-40B4-BE49-F238E27FC236}">
-                <a16:creationId xmlns:a16="http://schemas.microsoft.com/office/drawing/2014/main" id="{B61EB6C7-BE39-1C07-352C-5F6515343996}"/>
+                <a16:creationId xmlns:a16="http://schemas.microsoft.com/office/drawing/2014/main" id="{C9DDBDCA-42DE-037B-343B-1C853DB01F85}"/>
               </a:ext>
             </a:extLst>
           </p:cNvPr>
@@ -6669,7 +6677,7 @@
           <p:cNvPr id="8" name="TextBox 7">
             <a:extLst>
               <a:ext uri="{FF2B5EF4-FFF2-40B4-BE49-F238E27FC236}">
-                <a16:creationId xmlns:a16="http://schemas.microsoft.com/office/drawing/2014/main" id="{256B8A6E-D87F-0404-C6B8-34DE29D9ED0C}"/>
+                <a16:creationId xmlns:a16="http://schemas.microsoft.com/office/drawing/2014/main" id="{B6A29633-B42A-D247-9BC8-F94AF38F8483}"/>
               </a:ext>
             </a:extLst>
           </p:cNvPr>
@@ -6827,7 +6835,7 @@
     </p:spTree>
     <p:extLst>
       <p:ext uri="{BB962C8B-B14F-4D97-AF65-F5344CB8AC3E}">
-        <p14:creationId xmlns:p14="http://schemas.microsoft.com/office/powerpoint/2010/main" val="1321271338"/>
+        <p14:creationId xmlns:p14="http://schemas.microsoft.com/office/powerpoint/2010/main" val="1824168071"/>
       </p:ext>
     </p:extLst>
   </p:cSld>
